--- a/doc/ppt/datagrid业务逻辑使用步骤说明.pptx
+++ b/doc/ppt/datagrid业务逻辑使用步骤说明.pptx
@@ -5,7 +5,7 @@
     <p:sldMasterId id="2147483648" r:id="rId1"/>
   </p:sldMasterIdLst>
   <p:notesMasterIdLst>
-    <p:notesMasterId r:id="rId11"/>
+    <p:notesMasterId r:id="rId16"/>
   </p:notesMasterIdLst>
   <p:sldIdLst>
     <p:sldId id="256" r:id="rId2"/>
@@ -15,8 +15,13 @@
     <p:sldId id="260" r:id="rId6"/>
     <p:sldId id="261" r:id="rId7"/>
     <p:sldId id="264" r:id="rId8"/>
-    <p:sldId id="263" r:id="rId9"/>
-    <p:sldId id="262" r:id="rId10"/>
+    <p:sldId id="265" r:id="rId9"/>
+    <p:sldId id="266" r:id="rId10"/>
+    <p:sldId id="268" r:id="rId11"/>
+    <p:sldId id="270" r:id="rId12"/>
+    <p:sldId id="269" r:id="rId13"/>
+    <p:sldId id="263" r:id="rId14"/>
+    <p:sldId id="262" r:id="rId15"/>
   </p:sldIdLst>
   <p:sldSz cx="9144000" cy="6858000" type="screen4x3"/>
   <p:notesSz cx="6858000" cy="9144000"/>
@@ -200,7 +205,7 @@
           <a:p>
             <a:fld id="{33C1F835-63EE-450F-B330-51232C804ABE}" type="datetimeFigureOut">
               <a:rPr lang="zh-CN" altLang="en-US" smtClean="0"/>
-              <a:t>2016/7/1</a:t>
+              <a:t>2016/7/7</a:t>
             </a:fld>
             <a:endParaRPr lang="zh-CN" altLang="en-US"/>
           </a:p>
@@ -650,7 +655,7 @@
             <a:fld id="{1D8BD707-D9CF-40AE-B4C6-C98DA3205C09}" type="datetimeFigureOut">
               <a:rPr lang="en-US" smtClean="0"/>
               <a:pPr/>
-              <a:t>7/1/2016</a:t>
+              <a:t>7/7/2016</a:t>
             </a:fld>
             <a:endParaRPr lang="en-US"/>
           </a:p>
@@ -817,7 +822,7 @@
             <a:fld id="{1D8BD707-D9CF-40AE-B4C6-C98DA3205C09}" type="datetimeFigureOut">
               <a:rPr lang="en-US" smtClean="0"/>
               <a:pPr/>
-              <a:t>7/1/2016</a:t>
+              <a:t>7/7/2016</a:t>
             </a:fld>
             <a:endParaRPr lang="en-US"/>
           </a:p>
@@ -994,7 +999,7 @@
             <a:fld id="{1D8BD707-D9CF-40AE-B4C6-C98DA3205C09}" type="datetimeFigureOut">
               <a:rPr lang="en-US" smtClean="0"/>
               <a:pPr/>
-              <a:t>7/1/2016</a:t>
+              <a:t>7/7/2016</a:t>
             </a:fld>
             <a:endParaRPr lang="en-US"/>
           </a:p>
@@ -1161,7 +1166,7 @@
             <a:fld id="{1D8BD707-D9CF-40AE-B4C6-C98DA3205C09}" type="datetimeFigureOut">
               <a:rPr lang="en-US" smtClean="0"/>
               <a:pPr/>
-              <a:t>7/1/2016</a:t>
+              <a:t>7/7/2016</a:t>
             </a:fld>
             <a:endParaRPr lang="en-US"/>
           </a:p>
@@ -1404,7 +1409,7 @@
             <a:fld id="{1D8BD707-D9CF-40AE-B4C6-C98DA3205C09}" type="datetimeFigureOut">
               <a:rPr lang="en-US" smtClean="0"/>
               <a:pPr/>
-              <a:t>7/1/2016</a:t>
+              <a:t>7/7/2016</a:t>
             </a:fld>
             <a:endParaRPr lang="en-US"/>
           </a:p>
@@ -1689,7 +1694,7 @@
             <a:fld id="{1D8BD707-D9CF-40AE-B4C6-C98DA3205C09}" type="datetimeFigureOut">
               <a:rPr lang="en-US" smtClean="0"/>
               <a:pPr/>
-              <a:t>7/1/2016</a:t>
+              <a:t>7/7/2016</a:t>
             </a:fld>
             <a:endParaRPr lang="en-US"/>
           </a:p>
@@ -2108,7 +2113,7 @@
             <a:fld id="{1D8BD707-D9CF-40AE-B4C6-C98DA3205C09}" type="datetimeFigureOut">
               <a:rPr lang="en-US" smtClean="0"/>
               <a:pPr/>
-              <a:t>7/1/2016</a:t>
+              <a:t>7/7/2016</a:t>
             </a:fld>
             <a:endParaRPr lang="en-US"/>
           </a:p>
@@ -2223,7 +2228,7 @@
             <a:fld id="{1D8BD707-D9CF-40AE-B4C6-C98DA3205C09}" type="datetimeFigureOut">
               <a:rPr lang="en-US" smtClean="0"/>
               <a:pPr/>
-              <a:t>7/1/2016</a:t>
+              <a:t>7/7/2016</a:t>
             </a:fld>
             <a:endParaRPr lang="en-US"/>
           </a:p>
@@ -2315,7 +2320,7 @@
             <a:fld id="{1D8BD707-D9CF-40AE-B4C6-C98DA3205C09}" type="datetimeFigureOut">
               <a:rPr lang="en-US" smtClean="0"/>
               <a:pPr/>
-              <a:t>7/1/2016</a:t>
+              <a:t>7/7/2016</a:t>
             </a:fld>
             <a:endParaRPr lang="en-US"/>
           </a:p>
@@ -2589,7 +2594,7 @@
             <a:fld id="{1D8BD707-D9CF-40AE-B4C6-C98DA3205C09}" type="datetimeFigureOut">
               <a:rPr lang="en-US" smtClean="0"/>
               <a:pPr/>
-              <a:t>7/1/2016</a:t>
+              <a:t>7/7/2016</a:t>
             </a:fld>
             <a:endParaRPr lang="en-US"/>
           </a:p>
@@ -2839,7 +2844,7 @@
             <a:fld id="{1D8BD707-D9CF-40AE-B4C6-C98DA3205C09}" type="datetimeFigureOut">
               <a:rPr lang="en-US" smtClean="0"/>
               <a:pPr/>
-              <a:t>7/1/2016</a:t>
+              <a:t>7/7/2016</a:t>
             </a:fld>
             <a:endParaRPr lang="en-US"/>
           </a:p>
@@ -3049,7 +3054,7 @@
             <a:fld id="{1D8BD707-D9CF-40AE-B4C6-C98DA3205C09}" type="datetimeFigureOut">
               <a:rPr lang="en-US" smtClean="0"/>
               <a:pPr/>
-              <a:t>7/1/2016</a:t>
+              <a:t>7/7/2016</a:t>
             </a:fld>
             <a:endParaRPr lang="en-US"/>
           </a:p>
@@ -3456,10 +3461,17 @@
   <p:clrMapOvr>
     <a:masterClrMapping/>
   </p:clrMapOvr>
+  <p:timing>
+    <p:tnLst>
+      <p:par>
+        <p:cTn id="1" dur="indefinite" restart="never" nodeType="tmRoot"/>
+      </p:par>
+    </p:tnLst>
+  </p:timing>
 </p:sld>
 </file>
 
-<file path=ppt/slides/slide2.xml><?xml version="1.0" encoding="utf-8"?>
+<file path=ppt/slides/slide10.xml><?xml version="1.0" encoding="utf-8"?>
 <p:sld xmlns:a="http://schemas.openxmlformats.org/drawingml/2006/main" xmlns:r="http://schemas.openxmlformats.org/officeDocument/2006/relationships" xmlns:p="http://schemas.openxmlformats.org/presentationml/2006/main">
   <p:cSld>
     <p:spTree>
@@ -3484,8 +3496,8 @@
         </p:nvSpPr>
         <p:spPr>
           <a:xfrm>
-            <a:off x="685800" y="457200"/>
-            <a:ext cx="4724400" cy="369332"/>
+            <a:off x="2439325" y="1511456"/>
+            <a:ext cx="4495800" cy="369332"/>
           </a:xfrm>
           <a:prstGeom prst="rect">
             <a:avLst/>
@@ -3499,35 +3511,70 @@
           <a:lstStyle/>
           <a:p>
             <a:r>
-              <a:rPr lang="en-US" altLang="zh-CN" dirty="0"/>
+              <a:rPr lang="zh-CN" altLang="en-US" b="1" dirty="0" smtClean="0"/>
+              <a:t>基于</a:t>
+            </a:r>
+            <a:r>
+              <a:rPr lang="en-US" altLang="zh-CN" b="1" dirty="0" smtClean="0"/>
+              <a:t>Data Steam</a:t>
+            </a:r>
+            <a:r>
+              <a:rPr lang="zh-CN" altLang="en-US" b="1" dirty="0" smtClean="0"/>
+              <a:t>的调度使用方式</a:t>
+            </a:r>
+            <a:endParaRPr lang="zh-CN" altLang="en-US" b="1" dirty="0"/>
+          </a:p>
+        </p:txBody>
+      </p:sp>
+      <p:sp>
+        <p:nvSpPr>
+          <p:cNvPr id="2" name="TextBox 1"/>
+          <p:cNvSpPr txBox="1"/>
+          <p:nvPr/>
+        </p:nvSpPr>
+        <p:spPr>
+          <a:xfrm>
+            <a:off x="385482" y="2250162"/>
+            <a:ext cx="2395537" cy="369332"/>
+          </a:xfrm>
+          <a:prstGeom prst="rect">
+            <a:avLst/>
+          </a:prstGeom>
+          <a:noFill/>
+        </p:spPr>
+        <p:txBody>
+          <a:bodyPr wrap="square" rtlCol="0">
+            <a:spAutoFit/>
+          </a:bodyPr>
+          <a:lstStyle/>
+          <a:p>
+            <a:r>
+              <a:rPr lang="en-US" altLang="zh-CN" b="1" dirty="0" smtClean="0">
+                <a:solidFill>
+                  <a:srgbClr val="00B050"/>
+                </a:solidFill>
+              </a:rPr>
               <a:t>1.</a:t>
             </a:r>
             <a:r>
-              <a:rPr lang="zh-CN" altLang="en-US" dirty="0"/>
-              <a:t>生成</a:t>
-            </a:r>
-            <a:r>
-              <a:rPr lang="en-US" altLang="zh-CN" dirty="0"/>
-              <a:t>job</a:t>
-            </a:r>
-            <a:r>
-              <a:rPr lang="zh-CN" altLang="en-US" dirty="0"/>
-              <a:t>，注意目前支持页面，</a:t>
-            </a:r>
-            <a:r>
-              <a:rPr lang="en-US" altLang="zh-CN" dirty="0"/>
-              <a:t>xml</a:t>
-            </a:r>
-            <a:r>
-              <a:rPr lang="zh-CN" altLang="en-US" dirty="0"/>
-              <a:t>后续支持</a:t>
-            </a:r>
+              <a:rPr lang="zh-CN" altLang="en-US" b="1" dirty="0" smtClean="0">
+                <a:solidFill>
+                  <a:srgbClr val="00B050"/>
+                </a:solidFill>
+              </a:rPr>
+              <a:t>实现逻辑</a:t>
+            </a:r>
+            <a:endParaRPr lang="zh-CN" altLang="en-US" b="1" dirty="0">
+              <a:solidFill>
+                <a:srgbClr val="00B050"/>
+              </a:solidFill>
+            </a:endParaRPr>
           </a:p>
         </p:txBody>
       </p:sp>
       <p:pic>
         <p:nvPicPr>
-          <p:cNvPr id="1026" name="Picture 2"/>
+          <p:cNvPr id="2050" name="Picture 2"/>
           <p:cNvPicPr>
             <a:picLocks noChangeAspect="1" noChangeArrowheads="1"/>
           </p:cNvPicPr>
@@ -3548,8 +3595,8 @@
         </p:blipFill>
         <p:spPr bwMode="auto">
           <a:xfrm>
-            <a:off x="3429000" y="808602"/>
-            <a:ext cx="5534025" cy="5915025"/>
+            <a:off x="1143000" y="2819400"/>
+            <a:ext cx="7867650" cy="2000250"/>
           </a:xfrm>
           <a:prstGeom prst="rect">
             <a:avLst/>
@@ -3581,6 +3628,1985 @@
       </p:pic>
       <p:sp>
         <p:nvSpPr>
+          <p:cNvPr id="10" name="TextBox 9"/>
+          <p:cNvSpPr txBox="1"/>
+          <p:nvPr/>
+        </p:nvSpPr>
+        <p:spPr>
+          <a:xfrm>
+            <a:off x="1219200" y="5103911"/>
+            <a:ext cx="5943600" cy="307777"/>
+          </a:xfrm>
+          <a:prstGeom prst="rect">
+            <a:avLst/>
+          </a:prstGeom>
+          <a:noFill/>
+        </p:spPr>
+        <p:txBody>
+          <a:bodyPr wrap="square" rtlCol="0">
+            <a:spAutoFit/>
+          </a:bodyPr>
+          <a:lstStyle/>
+          <a:p>
+            <a:r>
+              <a:rPr lang="zh-CN" altLang="en-US" sz="1400" b="1" dirty="0" smtClean="0"/>
+              <a:t>继承</a:t>
+            </a:r>
+            <a:r>
+              <a:rPr lang="en-US" altLang="zh-CN" sz="1400" b="1" dirty="0" err="1" smtClean="0"/>
+              <a:t>DataStreamExcutor</a:t>
+            </a:r>
+            <a:r>
+              <a:rPr lang="zh-CN" altLang="en-US" sz="1400" b="1" dirty="0" smtClean="0"/>
+              <a:t>，实现</a:t>
+            </a:r>
+            <a:r>
+              <a:rPr lang="en-US" altLang="zh-CN" sz="1400" b="1" dirty="0" smtClean="0"/>
+              <a:t>service</a:t>
+            </a:r>
+            <a:r>
+              <a:rPr lang="zh-CN" altLang="en-US" sz="1400" b="1" dirty="0" smtClean="0"/>
+              <a:t>即可，支持</a:t>
+            </a:r>
+            <a:r>
+              <a:rPr lang="en-US" altLang="zh-CN" sz="1400" b="1" dirty="0" smtClean="0"/>
+              <a:t>java</a:t>
+            </a:r>
+            <a:r>
+              <a:rPr lang="zh-CN" altLang="en-US" sz="1400" b="1" dirty="0" smtClean="0"/>
+              <a:t>和</a:t>
+            </a:r>
+            <a:r>
+              <a:rPr lang="en-US" altLang="zh-CN" sz="1400" b="1" dirty="0" err="1" smtClean="0"/>
+              <a:t>scala</a:t>
+            </a:r>
+            <a:endParaRPr lang="zh-CN" altLang="en-US" sz="1400" b="1" dirty="0"/>
+          </a:p>
+        </p:txBody>
+      </p:sp>
+      <p:sp>
+        <p:nvSpPr>
+          <p:cNvPr id="11" name="TextBox 10"/>
+          <p:cNvSpPr txBox="1"/>
+          <p:nvPr/>
+        </p:nvSpPr>
+        <p:spPr>
+          <a:xfrm>
+            <a:off x="1371600" y="5638800"/>
+            <a:ext cx="5638800" cy="646331"/>
+          </a:xfrm>
+          <a:prstGeom prst="rect">
+            <a:avLst/>
+          </a:prstGeom>
+          <a:noFill/>
+        </p:spPr>
+        <p:txBody>
+          <a:bodyPr wrap="square" rtlCol="0">
+            <a:spAutoFit/>
+          </a:bodyPr>
+          <a:lstStyle/>
+          <a:p>
+            <a:r>
+              <a:rPr lang="zh-CN" altLang="en-US" dirty="0" smtClean="0">
+                <a:solidFill>
+                  <a:srgbClr val="FFC000"/>
+                </a:solidFill>
+              </a:rPr>
+              <a:t>注意：</a:t>
+            </a:r>
+            <a:endParaRPr lang="en-US" altLang="zh-CN" dirty="0" smtClean="0">
+              <a:solidFill>
+                <a:srgbClr val="FFC000"/>
+              </a:solidFill>
+            </a:endParaRPr>
+          </a:p>
+          <a:p>
+            <a:r>
+              <a:rPr lang="en-US" altLang="zh-CN" dirty="0"/>
+              <a:t> </a:t>
+            </a:r>
+            <a:r>
+              <a:rPr lang="en-US" altLang="zh-CN" dirty="0" smtClean="0"/>
+              <a:t>  </a:t>
+            </a:r>
+            <a:r>
+              <a:rPr lang="zh-CN" altLang="en-US" sz="1400" dirty="0" smtClean="0"/>
+              <a:t>业务逻辑需要抛出异常方便框架检测出错误</a:t>
+            </a:r>
+            <a:endParaRPr lang="zh-CN" altLang="en-US" sz="1400" dirty="0"/>
+          </a:p>
+        </p:txBody>
+      </p:sp>
+    </p:spTree>
+    <p:extLst>
+      <p:ext uri="{BB962C8B-B14F-4D97-AF65-F5344CB8AC3E}">
+        <p14:creationId xmlns:p14="http://schemas.microsoft.com/office/powerpoint/2010/main" val="1437810722"/>
+      </p:ext>
+    </p:extLst>
+  </p:cSld>
+  <p:clrMapOvr>
+    <a:masterClrMapping/>
+  </p:clrMapOvr>
+</p:sld>
+</file>
+
+<file path=ppt/slides/slide11.xml><?xml version="1.0" encoding="utf-8"?>
+<p:sld xmlns:a="http://schemas.openxmlformats.org/drawingml/2006/main" xmlns:r="http://schemas.openxmlformats.org/officeDocument/2006/relationships" xmlns:p="http://schemas.openxmlformats.org/presentationml/2006/main">
+  <p:cSld>
+    <p:spTree>
+      <p:nvGrpSpPr>
+        <p:cNvPr id="1" name=""/>
+        <p:cNvGrpSpPr/>
+        <p:nvPr/>
+      </p:nvGrpSpPr>
+      <p:grpSpPr>
+        <a:xfrm>
+          <a:off x="0" y="0"/>
+          <a:ext cx="0" cy="0"/>
+          <a:chOff x="0" y="0"/>
+          <a:chExt cx="0" cy="0"/>
+        </a:xfrm>
+      </p:grpSpPr>
+      <p:pic>
+        <p:nvPicPr>
+          <p:cNvPr id="1027" name="Picture 3"/>
+          <p:cNvPicPr>
+            <a:picLocks noChangeAspect="1" noChangeArrowheads="1"/>
+          </p:cNvPicPr>
+          <p:nvPr/>
+        </p:nvPicPr>
+        <p:blipFill>
+          <a:blip r:embed="rId2">
+            <a:extLst>
+              <a:ext uri="{28A0092B-C50C-407E-A947-70E740481C1C}">
+                <a14:useLocalDpi xmlns:a14="http://schemas.microsoft.com/office/drawing/2010/main" val="0"/>
+              </a:ext>
+            </a:extLst>
+          </a:blip>
+          <a:srcRect/>
+          <a:stretch>
+            <a:fillRect/>
+          </a:stretch>
+        </p:blipFill>
+        <p:spPr bwMode="auto">
+          <a:xfrm>
+            <a:off x="5030993" y="3220122"/>
+            <a:ext cx="3500438" cy="2094155"/>
+          </a:xfrm>
+          <a:prstGeom prst="rect">
+            <a:avLst/>
+          </a:prstGeom>
+          <a:noFill/>
+          <a:ln>
+            <a:noFill/>
+          </a:ln>
+          <a:extLst>
+            <a:ext uri="{909E8E84-426E-40DD-AFC4-6F175D3DCCD1}">
+              <a14:hiddenFill xmlns:a14="http://schemas.microsoft.com/office/drawing/2010/main">
+                <a:solidFill>
+                  <a:schemeClr val="accent1"/>
+                </a:solidFill>
+              </a14:hiddenFill>
+            </a:ext>
+            <a:ext uri="{91240B29-F687-4F45-9708-019B960494DF}">
+              <a14:hiddenLine xmlns:a14="http://schemas.microsoft.com/office/drawing/2010/main" w="9525">
+                <a:solidFill>
+                  <a:schemeClr val="tx1"/>
+                </a:solidFill>
+                <a:miter lim="800000"/>
+                <a:headEnd/>
+                <a:tailEnd/>
+              </a14:hiddenLine>
+            </a:ext>
+          </a:extLst>
+        </p:spPr>
+      </p:pic>
+      <p:sp>
+        <p:nvSpPr>
+          <p:cNvPr id="4" name="TextBox 3"/>
+          <p:cNvSpPr txBox="1"/>
+          <p:nvPr/>
+        </p:nvSpPr>
+        <p:spPr>
+          <a:xfrm>
+            <a:off x="2438400" y="1676400"/>
+            <a:ext cx="4495800" cy="369332"/>
+          </a:xfrm>
+          <a:prstGeom prst="rect">
+            <a:avLst/>
+          </a:prstGeom>
+          <a:noFill/>
+        </p:spPr>
+        <p:txBody>
+          <a:bodyPr wrap="square" rtlCol="0">
+            <a:spAutoFit/>
+          </a:bodyPr>
+          <a:lstStyle/>
+          <a:p>
+            <a:r>
+              <a:rPr lang="zh-CN" altLang="en-US" b="1" dirty="0" smtClean="0"/>
+              <a:t>基于</a:t>
+            </a:r>
+            <a:r>
+              <a:rPr lang="en-US" altLang="zh-CN" b="1" dirty="0" smtClean="0"/>
+              <a:t>Data Steam</a:t>
+            </a:r>
+            <a:r>
+              <a:rPr lang="zh-CN" altLang="en-US" b="1" dirty="0" smtClean="0"/>
+              <a:t>的调度使用方式</a:t>
+            </a:r>
+            <a:endParaRPr lang="zh-CN" altLang="en-US" b="1" dirty="0"/>
+          </a:p>
+        </p:txBody>
+      </p:sp>
+      <p:sp>
+        <p:nvSpPr>
+          <p:cNvPr id="2" name="TextBox 1"/>
+          <p:cNvSpPr txBox="1"/>
+          <p:nvPr/>
+        </p:nvSpPr>
+        <p:spPr>
+          <a:xfrm>
+            <a:off x="381000" y="2406134"/>
+            <a:ext cx="2395537" cy="369332"/>
+          </a:xfrm>
+          <a:prstGeom prst="rect">
+            <a:avLst/>
+          </a:prstGeom>
+          <a:noFill/>
+        </p:spPr>
+        <p:txBody>
+          <a:bodyPr wrap="square" rtlCol="0">
+            <a:spAutoFit/>
+          </a:bodyPr>
+          <a:lstStyle/>
+          <a:p>
+            <a:r>
+              <a:rPr lang="en-US" altLang="zh-CN" b="1" dirty="0">
+                <a:solidFill>
+                  <a:srgbClr val="00B050"/>
+                </a:solidFill>
+              </a:rPr>
+              <a:t>2</a:t>
+            </a:r>
+            <a:r>
+              <a:rPr lang="en-US" altLang="zh-CN" b="1" dirty="0" smtClean="0">
+                <a:solidFill>
+                  <a:srgbClr val="00B050"/>
+                </a:solidFill>
+              </a:rPr>
+              <a:t>.</a:t>
+            </a:r>
+            <a:r>
+              <a:rPr lang="zh-CN" altLang="en-US" b="1" dirty="0" smtClean="0">
+                <a:solidFill>
+                  <a:srgbClr val="00B050"/>
+                </a:solidFill>
+              </a:rPr>
+              <a:t>上传</a:t>
+            </a:r>
+            <a:r>
+              <a:rPr lang="en-US" altLang="zh-CN" b="1" dirty="0" smtClean="0">
+                <a:solidFill>
+                  <a:srgbClr val="00B050"/>
+                </a:solidFill>
+              </a:rPr>
+              <a:t>Job </a:t>
+            </a:r>
+            <a:endParaRPr lang="zh-CN" altLang="en-US" b="1" dirty="0">
+              <a:solidFill>
+                <a:srgbClr val="00B050"/>
+              </a:solidFill>
+            </a:endParaRPr>
+          </a:p>
+        </p:txBody>
+      </p:sp>
+      <p:pic>
+        <p:nvPicPr>
+          <p:cNvPr id="1026" name="Picture 2"/>
+          <p:cNvPicPr>
+            <a:picLocks noChangeAspect="1" noChangeArrowheads="1"/>
+          </p:cNvPicPr>
+          <p:nvPr/>
+        </p:nvPicPr>
+        <p:blipFill>
+          <a:blip r:embed="rId3">
+            <a:extLst>
+              <a:ext uri="{28A0092B-C50C-407E-A947-70E740481C1C}">
+                <a14:useLocalDpi xmlns:a14="http://schemas.microsoft.com/office/drawing/2010/main" val="0"/>
+              </a:ext>
+            </a:extLst>
+          </a:blip>
+          <a:srcRect/>
+          <a:stretch>
+            <a:fillRect/>
+          </a:stretch>
+        </p:blipFill>
+        <p:spPr bwMode="auto">
+          <a:xfrm>
+            <a:off x="3581400" y="2615005"/>
+            <a:ext cx="4867275" cy="1419225"/>
+          </a:xfrm>
+          <a:prstGeom prst="rect">
+            <a:avLst/>
+          </a:prstGeom>
+          <a:noFill/>
+          <a:ln>
+            <a:noFill/>
+          </a:ln>
+          <a:extLst>
+            <a:ext uri="{909E8E84-426E-40DD-AFC4-6F175D3DCCD1}">
+              <a14:hiddenFill xmlns:a14="http://schemas.microsoft.com/office/drawing/2010/main">
+                <a:solidFill>
+                  <a:schemeClr val="accent1"/>
+                </a:solidFill>
+              </a14:hiddenFill>
+            </a:ext>
+            <a:ext uri="{91240B29-F687-4F45-9708-019B960494DF}">
+              <a14:hiddenLine xmlns:a14="http://schemas.microsoft.com/office/drawing/2010/main" w="9525">
+                <a:solidFill>
+                  <a:schemeClr val="tx1"/>
+                </a:solidFill>
+                <a:miter lim="800000"/>
+                <a:headEnd/>
+                <a:tailEnd/>
+              </a14:hiddenLine>
+            </a:ext>
+          </a:extLst>
+        </p:spPr>
+      </p:pic>
+      <p:sp>
+        <p:nvSpPr>
+          <p:cNvPr id="30" name="Freeform 29"/>
+          <p:cNvSpPr/>
+          <p:nvPr/>
+        </p:nvSpPr>
+        <p:spPr>
+          <a:xfrm>
+            <a:off x="4687225" y="3420932"/>
+            <a:ext cx="1197208" cy="247426"/>
+          </a:xfrm>
+          <a:custGeom>
+            <a:avLst/>
+            <a:gdLst>
+              <a:gd name="connsiteX0" fmla="*/ 78413 w 1197208"/>
+              <a:gd name="connsiteY0" fmla="*/ 75303 h 247426"/>
+              <a:gd name="connsiteX1" fmla="*/ 863721 w 1197208"/>
+              <a:gd name="connsiteY1" fmla="*/ 21515 h 247426"/>
+              <a:gd name="connsiteX2" fmla="*/ 895994 w 1197208"/>
+              <a:gd name="connsiteY2" fmla="*/ 10757 h 247426"/>
+              <a:gd name="connsiteX3" fmla="*/ 1035843 w 1197208"/>
+              <a:gd name="connsiteY3" fmla="*/ 0 h 247426"/>
+              <a:gd name="connsiteX4" fmla="*/ 1175693 w 1197208"/>
+              <a:gd name="connsiteY4" fmla="*/ 32273 h 247426"/>
+              <a:gd name="connsiteX5" fmla="*/ 1197208 w 1197208"/>
+              <a:gd name="connsiteY5" fmla="*/ 64546 h 247426"/>
+              <a:gd name="connsiteX6" fmla="*/ 1186450 w 1197208"/>
+              <a:gd name="connsiteY6" fmla="*/ 129092 h 247426"/>
+              <a:gd name="connsiteX7" fmla="*/ 1078874 w 1197208"/>
+              <a:gd name="connsiteY7" fmla="*/ 161364 h 247426"/>
+              <a:gd name="connsiteX8" fmla="*/ 1014328 w 1197208"/>
+              <a:gd name="connsiteY8" fmla="*/ 182880 h 247426"/>
+              <a:gd name="connsiteX9" fmla="*/ 960540 w 1197208"/>
+              <a:gd name="connsiteY9" fmla="*/ 204395 h 247426"/>
+              <a:gd name="connsiteX10" fmla="*/ 874479 w 1197208"/>
+              <a:gd name="connsiteY10" fmla="*/ 215153 h 247426"/>
+              <a:gd name="connsiteX11" fmla="*/ 734629 w 1197208"/>
+              <a:gd name="connsiteY11" fmla="*/ 247426 h 247426"/>
+              <a:gd name="connsiteX12" fmla="*/ 272050 w 1197208"/>
+              <a:gd name="connsiteY12" fmla="*/ 236668 h 247426"/>
+              <a:gd name="connsiteX13" fmla="*/ 229020 w 1197208"/>
+              <a:gd name="connsiteY13" fmla="*/ 204395 h 247426"/>
+              <a:gd name="connsiteX14" fmla="*/ 196747 w 1197208"/>
+              <a:gd name="connsiteY14" fmla="*/ 193637 h 247426"/>
+              <a:gd name="connsiteX15" fmla="*/ 142959 w 1197208"/>
+              <a:gd name="connsiteY15" fmla="*/ 150607 h 247426"/>
+              <a:gd name="connsiteX16" fmla="*/ 99928 w 1197208"/>
+              <a:gd name="connsiteY16" fmla="*/ 139849 h 247426"/>
+              <a:gd name="connsiteX17" fmla="*/ 67655 w 1197208"/>
+              <a:gd name="connsiteY17" fmla="*/ 129092 h 247426"/>
+              <a:gd name="connsiteX18" fmla="*/ 35382 w 1197208"/>
+              <a:gd name="connsiteY18" fmla="*/ 107576 h 247426"/>
+              <a:gd name="connsiteX19" fmla="*/ 78413 w 1197208"/>
+              <a:gd name="connsiteY19" fmla="*/ 75303 h 247426"/>
+            </a:gdLst>
+            <a:ahLst/>
+            <a:cxnLst>
+              <a:cxn ang="0">
+                <a:pos x="connsiteX0" y="connsiteY0"/>
+              </a:cxn>
+              <a:cxn ang="0">
+                <a:pos x="connsiteX1" y="connsiteY1"/>
+              </a:cxn>
+              <a:cxn ang="0">
+                <a:pos x="connsiteX2" y="connsiteY2"/>
+              </a:cxn>
+              <a:cxn ang="0">
+                <a:pos x="connsiteX3" y="connsiteY3"/>
+              </a:cxn>
+              <a:cxn ang="0">
+                <a:pos x="connsiteX4" y="connsiteY4"/>
+              </a:cxn>
+              <a:cxn ang="0">
+                <a:pos x="connsiteX5" y="connsiteY5"/>
+              </a:cxn>
+              <a:cxn ang="0">
+                <a:pos x="connsiteX6" y="connsiteY6"/>
+              </a:cxn>
+              <a:cxn ang="0">
+                <a:pos x="connsiteX7" y="connsiteY7"/>
+              </a:cxn>
+              <a:cxn ang="0">
+                <a:pos x="connsiteX8" y="connsiteY8"/>
+              </a:cxn>
+              <a:cxn ang="0">
+                <a:pos x="connsiteX9" y="connsiteY9"/>
+              </a:cxn>
+              <a:cxn ang="0">
+                <a:pos x="connsiteX10" y="connsiteY10"/>
+              </a:cxn>
+              <a:cxn ang="0">
+                <a:pos x="connsiteX11" y="connsiteY11"/>
+              </a:cxn>
+              <a:cxn ang="0">
+                <a:pos x="connsiteX12" y="connsiteY12"/>
+              </a:cxn>
+              <a:cxn ang="0">
+                <a:pos x="connsiteX13" y="connsiteY13"/>
+              </a:cxn>
+              <a:cxn ang="0">
+                <a:pos x="connsiteX14" y="connsiteY14"/>
+              </a:cxn>
+              <a:cxn ang="0">
+                <a:pos x="connsiteX15" y="connsiteY15"/>
+              </a:cxn>
+              <a:cxn ang="0">
+                <a:pos x="connsiteX16" y="connsiteY16"/>
+              </a:cxn>
+              <a:cxn ang="0">
+                <a:pos x="connsiteX17" y="connsiteY17"/>
+              </a:cxn>
+              <a:cxn ang="0">
+                <a:pos x="connsiteX18" y="connsiteY18"/>
+              </a:cxn>
+              <a:cxn ang="0">
+                <a:pos x="connsiteX19" y="connsiteY19"/>
+              </a:cxn>
+            </a:cxnLst>
+            <a:rect l="l" t="t" r="r" b="b"/>
+            <a:pathLst>
+              <a:path w="1197208" h="247426">
+                <a:moveTo>
+                  <a:pt x="78413" y="75303"/>
+                </a:moveTo>
+                <a:cubicBezTo>
+                  <a:pt x="216470" y="60959"/>
+                  <a:pt x="96082" y="43139"/>
+                  <a:pt x="863721" y="21515"/>
+                </a:cubicBezTo>
+                <a:cubicBezTo>
+                  <a:pt x="875056" y="21196"/>
+                  <a:pt x="884742" y="12163"/>
+                  <a:pt x="895994" y="10757"/>
+                </a:cubicBezTo>
+                <a:cubicBezTo>
+                  <a:pt x="942387" y="4958"/>
+                  <a:pt x="989227" y="3586"/>
+                  <a:pt x="1035843" y="0"/>
+                </a:cubicBezTo>
+                <a:cubicBezTo>
+                  <a:pt x="1092016" y="5617"/>
+                  <a:pt x="1136493" y="-6928"/>
+                  <a:pt x="1175693" y="32273"/>
+                </a:cubicBezTo>
+                <a:cubicBezTo>
+                  <a:pt x="1184835" y="41415"/>
+                  <a:pt x="1190036" y="53788"/>
+                  <a:pt x="1197208" y="64546"/>
+                </a:cubicBezTo>
+                <a:cubicBezTo>
+                  <a:pt x="1193622" y="86061"/>
+                  <a:pt x="1200813" y="112677"/>
+                  <a:pt x="1186450" y="129092"/>
+                </a:cubicBezTo>
+                <a:cubicBezTo>
+                  <a:pt x="1177424" y="139408"/>
+                  <a:pt x="1098568" y="155456"/>
+                  <a:pt x="1078874" y="161364"/>
+                </a:cubicBezTo>
+                <a:cubicBezTo>
+                  <a:pt x="1057151" y="167881"/>
+                  <a:pt x="1035385" y="174457"/>
+                  <a:pt x="1014328" y="182880"/>
+                </a:cubicBezTo>
+                <a:cubicBezTo>
+                  <a:pt x="996399" y="190052"/>
+                  <a:pt x="979356" y="200053"/>
+                  <a:pt x="960540" y="204395"/>
+                </a:cubicBezTo>
+                <a:cubicBezTo>
+                  <a:pt x="932370" y="210896"/>
+                  <a:pt x="902949" y="210129"/>
+                  <a:pt x="874479" y="215153"/>
+                </a:cubicBezTo>
+                <a:cubicBezTo>
+                  <a:pt x="832440" y="222572"/>
+                  <a:pt x="778780" y="236388"/>
+                  <a:pt x="734629" y="247426"/>
+                </a:cubicBezTo>
+                <a:cubicBezTo>
+                  <a:pt x="580436" y="243840"/>
+                  <a:pt x="425729" y="249747"/>
+                  <a:pt x="272050" y="236668"/>
+                </a:cubicBezTo>
+                <a:cubicBezTo>
+                  <a:pt x="254185" y="235148"/>
+                  <a:pt x="244587" y="213291"/>
+                  <a:pt x="229020" y="204395"/>
+                </a:cubicBezTo>
+                <a:cubicBezTo>
+                  <a:pt x="219175" y="198769"/>
+                  <a:pt x="207505" y="197223"/>
+                  <a:pt x="196747" y="193637"/>
+                </a:cubicBezTo>
+                <a:cubicBezTo>
+                  <a:pt x="179398" y="176288"/>
+                  <a:pt x="166705" y="160784"/>
+                  <a:pt x="142959" y="150607"/>
+                </a:cubicBezTo>
+                <a:cubicBezTo>
+                  <a:pt x="129369" y="144783"/>
+                  <a:pt x="114144" y="143911"/>
+                  <a:pt x="99928" y="139849"/>
+                </a:cubicBezTo>
+                <a:cubicBezTo>
+                  <a:pt x="89025" y="136734"/>
+                  <a:pt x="78413" y="132678"/>
+                  <a:pt x="67655" y="129092"/>
+                </a:cubicBezTo>
+                <a:cubicBezTo>
+                  <a:pt x="56897" y="121920"/>
+                  <a:pt x="40184" y="119581"/>
+                  <a:pt x="35382" y="107576"/>
+                </a:cubicBezTo>
+                <a:cubicBezTo>
+                  <a:pt x="24304" y="79881"/>
+                  <a:pt x="-59644" y="89647"/>
+                  <a:pt x="78413" y="75303"/>
+                </a:cubicBezTo>
+                <a:close/>
+              </a:path>
+            </a:pathLst>
+          </a:custGeom>
+          <a:noFill/>
+        </p:spPr>
+        <p:style>
+          <a:lnRef idx="2">
+            <a:schemeClr val="accent1">
+              <a:shade val="50000"/>
+            </a:schemeClr>
+          </a:lnRef>
+          <a:fillRef idx="1">
+            <a:schemeClr val="accent1"/>
+          </a:fillRef>
+          <a:effectRef idx="0">
+            <a:schemeClr val="accent1"/>
+          </a:effectRef>
+          <a:fontRef idx="minor">
+            <a:schemeClr val="lt1"/>
+          </a:fontRef>
+        </p:style>
+        <p:txBody>
+          <a:bodyPr rtlCol="0" anchor="ctr"/>
+          <a:lstStyle/>
+          <a:p>
+            <a:pPr algn="ctr"/>
+            <a:endParaRPr lang="zh-CN" altLang="en-US"/>
+          </a:p>
+        </p:txBody>
+      </p:sp>
+      <p:cxnSp>
+        <p:nvCxnSpPr>
+          <p:cNvPr id="1024" name="Straight Arrow Connector 1023"/>
+          <p:cNvCxnSpPr/>
+          <p:nvPr/>
+        </p:nvCxnSpPr>
+        <p:spPr>
+          <a:xfrm flipH="1">
+            <a:off x="3810000" y="3544645"/>
+            <a:ext cx="1752600" cy="798755"/>
+          </a:xfrm>
+          <a:prstGeom prst="straightConnector1">
+            <a:avLst/>
+          </a:prstGeom>
+          <a:ln>
+            <a:tailEnd type="arrow"/>
+          </a:ln>
+        </p:spPr>
+        <p:style>
+          <a:lnRef idx="1">
+            <a:schemeClr val="accent1"/>
+          </a:lnRef>
+          <a:fillRef idx="0">
+            <a:schemeClr val="accent1"/>
+          </a:fillRef>
+          <a:effectRef idx="0">
+            <a:schemeClr val="accent1"/>
+          </a:effectRef>
+          <a:fontRef idx="minor">
+            <a:schemeClr val="tx1"/>
+          </a:fontRef>
+        </p:style>
+      </p:cxnSp>
+      <p:sp>
+        <p:nvSpPr>
+          <p:cNvPr id="1025" name="TextBox 1024"/>
+          <p:cNvSpPr txBox="1"/>
+          <p:nvPr/>
+        </p:nvSpPr>
+        <p:spPr>
+          <a:xfrm>
+            <a:off x="1295400" y="4274371"/>
+            <a:ext cx="2962275" cy="276999"/>
+          </a:xfrm>
+          <a:prstGeom prst="rect">
+            <a:avLst/>
+          </a:prstGeom>
+          <a:noFill/>
+        </p:spPr>
+        <p:txBody>
+          <a:bodyPr wrap="square" rtlCol="0">
+            <a:spAutoFit/>
+          </a:bodyPr>
+          <a:lstStyle/>
+          <a:p>
+            <a:r>
+              <a:rPr lang="en-US" altLang="zh-CN" sz="1200" b="1" dirty="0" smtClean="0">
+                <a:solidFill>
+                  <a:srgbClr val="FF0000"/>
+                </a:solidFill>
+              </a:rPr>
+              <a:t>Job_stream.xml</a:t>
+            </a:r>
+            <a:r>
+              <a:rPr lang="zh-CN" altLang="en-US" sz="1200" b="1" dirty="0" smtClean="0"/>
+              <a:t>类型必须为</a:t>
+            </a:r>
+            <a:r>
+              <a:rPr lang="en-US" altLang="zh-CN" sz="1200" b="1" dirty="0" smtClean="0"/>
+              <a:t>stream</a:t>
+            </a:r>
+            <a:endParaRPr lang="zh-CN" altLang="en-US" sz="1200" b="1" dirty="0"/>
+          </a:p>
+        </p:txBody>
+      </p:sp>
+      <p:sp>
+        <p:nvSpPr>
+          <p:cNvPr id="1031" name="Freeform 1030"/>
+          <p:cNvSpPr/>
+          <p:nvPr/>
+        </p:nvSpPr>
+        <p:spPr>
+          <a:xfrm>
+            <a:off x="5109882" y="5088260"/>
+            <a:ext cx="2362710" cy="357052"/>
+          </a:xfrm>
+          <a:custGeom>
+            <a:avLst/>
+            <a:gdLst>
+              <a:gd name="connsiteX0" fmla="*/ 107577 w 2362710"/>
+              <a:gd name="connsiteY0" fmla="*/ 43138 h 357052"/>
+              <a:gd name="connsiteX1" fmla="*/ 161365 w 2362710"/>
+              <a:gd name="connsiteY1" fmla="*/ 21622 h 357052"/>
+              <a:gd name="connsiteX2" fmla="*/ 677732 w 2362710"/>
+              <a:gd name="connsiteY2" fmla="*/ 10865 h 357052"/>
+              <a:gd name="connsiteX3" fmla="*/ 785309 w 2362710"/>
+              <a:gd name="connsiteY3" fmla="*/ 32380 h 357052"/>
+              <a:gd name="connsiteX4" fmla="*/ 2345167 w 2362710"/>
+              <a:gd name="connsiteY4" fmla="*/ 43138 h 357052"/>
+              <a:gd name="connsiteX5" fmla="*/ 2334410 w 2362710"/>
+              <a:gd name="connsiteY5" fmla="*/ 161472 h 357052"/>
+              <a:gd name="connsiteX6" fmla="*/ 2302137 w 2362710"/>
+              <a:gd name="connsiteY6" fmla="*/ 172229 h 357052"/>
+              <a:gd name="connsiteX7" fmla="*/ 2226833 w 2362710"/>
+              <a:gd name="connsiteY7" fmla="*/ 236775 h 357052"/>
+              <a:gd name="connsiteX8" fmla="*/ 2205318 w 2362710"/>
+              <a:gd name="connsiteY8" fmla="*/ 258291 h 357052"/>
+              <a:gd name="connsiteX9" fmla="*/ 2033196 w 2362710"/>
+              <a:gd name="connsiteY9" fmla="*/ 269048 h 357052"/>
+              <a:gd name="connsiteX10" fmla="*/ 1796527 w 2362710"/>
+              <a:gd name="connsiteY10" fmla="*/ 301321 h 357052"/>
+              <a:gd name="connsiteX11" fmla="*/ 1764254 w 2362710"/>
+              <a:gd name="connsiteY11" fmla="*/ 312079 h 357052"/>
+              <a:gd name="connsiteX12" fmla="*/ 1667436 w 2362710"/>
+              <a:gd name="connsiteY12" fmla="*/ 322836 h 357052"/>
+              <a:gd name="connsiteX13" fmla="*/ 935916 w 2362710"/>
+              <a:gd name="connsiteY13" fmla="*/ 322836 h 357052"/>
+              <a:gd name="connsiteX14" fmla="*/ 903643 w 2362710"/>
+              <a:gd name="connsiteY14" fmla="*/ 312079 h 357052"/>
+              <a:gd name="connsiteX15" fmla="*/ 806824 w 2362710"/>
+              <a:gd name="connsiteY15" fmla="*/ 301321 h 357052"/>
+              <a:gd name="connsiteX16" fmla="*/ 699247 w 2362710"/>
+              <a:gd name="connsiteY16" fmla="*/ 279806 h 357052"/>
+              <a:gd name="connsiteX17" fmla="*/ 580913 w 2362710"/>
+              <a:gd name="connsiteY17" fmla="*/ 258291 h 357052"/>
+              <a:gd name="connsiteX18" fmla="*/ 182880 w 2362710"/>
+              <a:gd name="connsiteY18" fmla="*/ 236775 h 357052"/>
+              <a:gd name="connsiteX19" fmla="*/ 75304 w 2362710"/>
+              <a:gd name="connsiteY19" fmla="*/ 215260 h 357052"/>
+              <a:gd name="connsiteX20" fmla="*/ 43031 w 2362710"/>
+              <a:gd name="connsiteY20" fmla="*/ 193745 h 357052"/>
+              <a:gd name="connsiteX21" fmla="*/ 21516 w 2362710"/>
+              <a:gd name="connsiteY21" fmla="*/ 150714 h 357052"/>
+              <a:gd name="connsiteX22" fmla="*/ 0 w 2362710"/>
+              <a:gd name="connsiteY22" fmla="*/ 129199 h 357052"/>
+              <a:gd name="connsiteX23" fmla="*/ 43031 w 2362710"/>
+              <a:gd name="connsiteY23" fmla="*/ 32380 h 357052"/>
+              <a:gd name="connsiteX24" fmla="*/ 75304 w 2362710"/>
+              <a:gd name="connsiteY24" fmla="*/ 21622 h 357052"/>
+              <a:gd name="connsiteX25" fmla="*/ 118334 w 2362710"/>
+              <a:gd name="connsiteY25" fmla="*/ 32380 h 357052"/>
+              <a:gd name="connsiteX26" fmla="*/ 107577 w 2362710"/>
+              <a:gd name="connsiteY26" fmla="*/ 43138 h 357052"/>
+            </a:gdLst>
+            <a:ahLst/>
+            <a:cxnLst>
+              <a:cxn ang="0">
+                <a:pos x="connsiteX0" y="connsiteY0"/>
+              </a:cxn>
+              <a:cxn ang="0">
+                <a:pos x="connsiteX1" y="connsiteY1"/>
+              </a:cxn>
+              <a:cxn ang="0">
+                <a:pos x="connsiteX2" y="connsiteY2"/>
+              </a:cxn>
+              <a:cxn ang="0">
+                <a:pos x="connsiteX3" y="connsiteY3"/>
+              </a:cxn>
+              <a:cxn ang="0">
+                <a:pos x="connsiteX4" y="connsiteY4"/>
+              </a:cxn>
+              <a:cxn ang="0">
+                <a:pos x="connsiteX5" y="connsiteY5"/>
+              </a:cxn>
+              <a:cxn ang="0">
+                <a:pos x="connsiteX6" y="connsiteY6"/>
+              </a:cxn>
+              <a:cxn ang="0">
+                <a:pos x="connsiteX7" y="connsiteY7"/>
+              </a:cxn>
+              <a:cxn ang="0">
+                <a:pos x="connsiteX8" y="connsiteY8"/>
+              </a:cxn>
+              <a:cxn ang="0">
+                <a:pos x="connsiteX9" y="connsiteY9"/>
+              </a:cxn>
+              <a:cxn ang="0">
+                <a:pos x="connsiteX10" y="connsiteY10"/>
+              </a:cxn>
+              <a:cxn ang="0">
+                <a:pos x="connsiteX11" y="connsiteY11"/>
+              </a:cxn>
+              <a:cxn ang="0">
+                <a:pos x="connsiteX12" y="connsiteY12"/>
+              </a:cxn>
+              <a:cxn ang="0">
+                <a:pos x="connsiteX13" y="connsiteY13"/>
+              </a:cxn>
+              <a:cxn ang="0">
+                <a:pos x="connsiteX14" y="connsiteY14"/>
+              </a:cxn>
+              <a:cxn ang="0">
+                <a:pos x="connsiteX15" y="connsiteY15"/>
+              </a:cxn>
+              <a:cxn ang="0">
+                <a:pos x="connsiteX16" y="connsiteY16"/>
+              </a:cxn>
+              <a:cxn ang="0">
+                <a:pos x="connsiteX17" y="connsiteY17"/>
+              </a:cxn>
+              <a:cxn ang="0">
+                <a:pos x="connsiteX18" y="connsiteY18"/>
+              </a:cxn>
+              <a:cxn ang="0">
+                <a:pos x="connsiteX19" y="connsiteY19"/>
+              </a:cxn>
+              <a:cxn ang="0">
+                <a:pos x="connsiteX20" y="connsiteY20"/>
+              </a:cxn>
+              <a:cxn ang="0">
+                <a:pos x="connsiteX21" y="connsiteY21"/>
+              </a:cxn>
+              <a:cxn ang="0">
+                <a:pos x="connsiteX22" y="connsiteY22"/>
+              </a:cxn>
+              <a:cxn ang="0">
+                <a:pos x="connsiteX23" y="connsiteY23"/>
+              </a:cxn>
+              <a:cxn ang="0">
+                <a:pos x="connsiteX24" y="connsiteY24"/>
+              </a:cxn>
+              <a:cxn ang="0">
+                <a:pos x="connsiteX25" y="connsiteY25"/>
+              </a:cxn>
+              <a:cxn ang="0">
+                <a:pos x="connsiteX26" y="connsiteY26"/>
+              </a:cxn>
+            </a:cxnLst>
+            <a:rect l="l" t="t" r="r" b="b"/>
+            <a:pathLst>
+              <a:path w="2362710" h="357052">
+                <a:moveTo>
+                  <a:pt x="107577" y="43138"/>
+                </a:moveTo>
+                <a:cubicBezTo>
+                  <a:pt x="114749" y="41345"/>
+                  <a:pt x="142279" y="24558"/>
+                  <a:pt x="161365" y="21622"/>
+                </a:cubicBezTo>
+                <a:cubicBezTo>
+                  <a:pt x="384745" y="-12744"/>
+                  <a:pt x="438456" y="2003"/>
+                  <a:pt x="677732" y="10865"/>
+                </a:cubicBezTo>
+                <a:cubicBezTo>
+                  <a:pt x="713591" y="18037"/>
+                  <a:pt x="748747" y="31672"/>
+                  <a:pt x="785309" y="32380"/>
+                </a:cubicBezTo>
+                <a:cubicBezTo>
+                  <a:pt x="1305177" y="42442"/>
+                  <a:pt x="1826998" y="-43"/>
+                  <a:pt x="2345167" y="43138"/>
+                </a:cubicBezTo>
+                <a:cubicBezTo>
+                  <a:pt x="2384637" y="46427"/>
+                  <a:pt x="2346935" y="123897"/>
+                  <a:pt x="2334410" y="161472"/>
+                </a:cubicBezTo>
+                <a:cubicBezTo>
+                  <a:pt x="2330824" y="172230"/>
+                  <a:pt x="2312895" y="168643"/>
+                  <a:pt x="2302137" y="172229"/>
+                </a:cubicBezTo>
+                <a:cubicBezTo>
+                  <a:pt x="2198542" y="275824"/>
+                  <a:pt x="2308759" y="171233"/>
+                  <a:pt x="2226833" y="236775"/>
+                </a:cubicBezTo>
+                <a:cubicBezTo>
+                  <a:pt x="2218913" y="243111"/>
+                  <a:pt x="2215323" y="256624"/>
+                  <a:pt x="2205318" y="258291"/>
+                </a:cubicBezTo>
+                <a:cubicBezTo>
+                  <a:pt x="2148614" y="267742"/>
+                  <a:pt x="2090570" y="265462"/>
+                  <a:pt x="2033196" y="269048"/>
+                </a:cubicBezTo>
+                <a:cubicBezTo>
+                  <a:pt x="1778139" y="320061"/>
+                  <a:pt x="2086207" y="262698"/>
+                  <a:pt x="1796527" y="301321"/>
+                </a:cubicBezTo>
+                <a:cubicBezTo>
+                  <a:pt x="1785287" y="302820"/>
+                  <a:pt x="1775439" y="310215"/>
+                  <a:pt x="1764254" y="312079"/>
+                </a:cubicBezTo>
+                <a:cubicBezTo>
+                  <a:pt x="1732225" y="317417"/>
+                  <a:pt x="1699709" y="319250"/>
+                  <a:pt x="1667436" y="322836"/>
+                </a:cubicBezTo>
+                <a:cubicBezTo>
+                  <a:pt x="1404037" y="388687"/>
+                  <a:pt x="1603442" y="342762"/>
+                  <a:pt x="935916" y="322836"/>
+                </a:cubicBezTo>
+                <a:cubicBezTo>
+                  <a:pt x="924582" y="322498"/>
+                  <a:pt x="914828" y="313943"/>
+                  <a:pt x="903643" y="312079"/>
+                </a:cubicBezTo>
+                <a:cubicBezTo>
+                  <a:pt x="871613" y="306741"/>
+                  <a:pt x="839097" y="304907"/>
+                  <a:pt x="806824" y="301321"/>
+                </a:cubicBezTo>
+                <a:cubicBezTo>
+                  <a:pt x="744968" y="280704"/>
+                  <a:pt x="798137" y="296288"/>
+                  <a:pt x="699247" y="279806"/>
+                </a:cubicBezTo>
+                <a:cubicBezTo>
+                  <a:pt x="659701" y="273215"/>
+                  <a:pt x="620668" y="263476"/>
+                  <a:pt x="580913" y="258291"/>
+                </a:cubicBezTo>
+                <a:cubicBezTo>
+                  <a:pt x="476210" y="244634"/>
+                  <a:pt x="258519" y="239801"/>
+                  <a:pt x="182880" y="236775"/>
+                </a:cubicBezTo>
+                <a:cubicBezTo>
+                  <a:pt x="168313" y="234347"/>
+                  <a:pt x="95733" y="224015"/>
+                  <a:pt x="75304" y="215260"/>
+                </a:cubicBezTo>
+                <a:cubicBezTo>
+                  <a:pt x="63420" y="210167"/>
+                  <a:pt x="53789" y="200917"/>
+                  <a:pt x="43031" y="193745"/>
+                </a:cubicBezTo>
+                <a:cubicBezTo>
+                  <a:pt x="35859" y="179401"/>
+                  <a:pt x="30412" y="164057"/>
+                  <a:pt x="21516" y="150714"/>
+                </a:cubicBezTo>
+                <a:cubicBezTo>
+                  <a:pt x="15890" y="142275"/>
+                  <a:pt x="0" y="139342"/>
+                  <a:pt x="0" y="129199"/>
+                </a:cubicBezTo>
+                <a:cubicBezTo>
+                  <a:pt x="0" y="114737"/>
+                  <a:pt x="23533" y="47979"/>
+                  <a:pt x="43031" y="32380"/>
+                </a:cubicBezTo>
+                <a:cubicBezTo>
+                  <a:pt x="51886" y="25296"/>
+                  <a:pt x="64546" y="25208"/>
+                  <a:pt x="75304" y="21622"/>
+                </a:cubicBezTo>
+                <a:cubicBezTo>
+                  <a:pt x="89647" y="25208"/>
+                  <a:pt x="105110" y="25768"/>
+                  <a:pt x="118334" y="32380"/>
+                </a:cubicBezTo>
+                <a:cubicBezTo>
+                  <a:pt x="127406" y="36916"/>
+                  <a:pt x="100405" y="44931"/>
+                  <a:pt x="107577" y="43138"/>
+                </a:cubicBezTo>
+                <a:close/>
+              </a:path>
+            </a:pathLst>
+          </a:custGeom>
+          <a:noFill/>
+        </p:spPr>
+        <p:style>
+          <a:lnRef idx="1">
+            <a:schemeClr val="accent3"/>
+          </a:lnRef>
+          <a:fillRef idx="3">
+            <a:schemeClr val="accent3"/>
+          </a:fillRef>
+          <a:effectRef idx="2">
+            <a:schemeClr val="accent3"/>
+          </a:effectRef>
+          <a:fontRef idx="minor">
+            <a:schemeClr val="lt1"/>
+          </a:fontRef>
+        </p:style>
+        <p:txBody>
+          <a:bodyPr rtlCol="0" anchor="ctr"/>
+          <a:lstStyle/>
+          <a:p>
+            <a:pPr algn="ctr"/>
+            <a:endParaRPr lang="zh-CN" altLang="en-US"/>
+          </a:p>
+        </p:txBody>
+      </p:sp>
+      <p:cxnSp>
+        <p:nvCxnSpPr>
+          <p:cNvPr id="1033" name="Straight Arrow Connector 1032"/>
+          <p:cNvCxnSpPr/>
+          <p:nvPr/>
+        </p:nvCxnSpPr>
+        <p:spPr>
+          <a:xfrm flipH="1">
+            <a:off x="3810000" y="5266786"/>
+            <a:ext cx="1475829" cy="47491"/>
+          </a:xfrm>
+          <a:prstGeom prst="straightConnector1">
+            <a:avLst/>
+          </a:prstGeom>
+          <a:ln>
+            <a:tailEnd type="arrow"/>
+          </a:ln>
+        </p:spPr>
+        <p:style>
+          <a:lnRef idx="1">
+            <a:schemeClr val="accent1"/>
+          </a:lnRef>
+          <a:fillRef idx="0">
+            <a:schemeClr val="accent1"/>
+          </a:fillRef>
+          <a:effectRef idx="0">
+            <a:schemeClr val="accent1"/>
+          </a:effectRef>
+          <a:fontRef idx="minor">
+            <a:schemeClr val="tx1"/>
+          </a:fontRef>
+        </p:style>
+      </p:cxnSp>
+      <p:sp>
+        <p:nvSpPr>
+          <p:cNvPr id="1034" name="TextBox 1033"/>
+          <p:cNvSpPr txBox="1"/>
+          <p:nvPr/>
+        </p:nvSpPr>
+        <p:spPr>
+          <a:xfrm>
+            <a:off x="609600" y="5168206"/>
+            <a:ext cx="2971800" cy="276999"/>
+          </a:xfrm>
+          <a:prstGeom prst="rect">
+            <a:avLst/>
+          </a:prstGeom>
+          <a:noFill/>
+        </p:spPr>
+        <p:txBody>
+          <a:bodyPr wrap="square" rtlCol="0">
+            <a:spAutoFit/>
+          </a:bodyPr>
+          <a:lstStyle/>
+          <a:p>
+            <a:r>
+              <a:rPr lang="zh-CN" altLang="en-US" sz="1200" b="1" dirty="0" smtClean="0"/>
+              <a:t>有文件的话，只需要上传文件</a:t>
+            </a:r>
+            <a:r>
+              <a:rPr lang="en-US" altLang="zh-CN" sz="1200" b="1" dirty="0" smtClean="0"/>
+              <a:t>job</a:t>
+            </a:r>
+            <a:r>
+              <a:rPr lang="zh-CN" altLang="en-US" sz="1200" b="1" dirty="0" smtClean="0"/>
+              <a:t>即可</a:t>
+            </a:r>
+            <a:endParaRPr lang="zh-CN" altLang="en-US" sz="1200" b="1" dirty="0"/>
+          </a:p>
+        </p:txBody>
+      </p:sp>
+    </p:spTree>
+    <p:extLst>
+      <p:ext uri="{BB962C8B-B14F-4D97-AF65-F5344CB8AC3E}">
+        <p14:creationId xmlns:p14="http://schemas.microsoft.com/office/powerpoint/2010/main" val="1913158831"/>
+      </p:ext>
+    </p:extLst>
+  </p:cSld>
+  <p:clrMapOvr>
+    <a:masterClrMapping/>
+  </p:clrMapOvr>
+</p:sld>
+</file>
+
+<file path=ppt/slides/slide12.xml><?xml version="1.0" encoding="utf-8"?>
+<p:sld xmlns:a="http://schemas.openxmlformats.org/drawingml/2006/main" xmlns:r="http://schemas.openxmlformats.org/officeDocument/2006/relationships" xmlns:p="http://schemas.openxmlformats.org/presentationml/2006/main">
+  <p:cSld>
+    <p:spTree>
+      <p:nvGrpSpPr>
+        <p:cNvPr id="1" name=""/>
+        <p:cNvGrpSpPr/>
+        <p:nvPr/>
+      </p:nvGrpSpPr>
+      <p:grpSpPr>
+        <a:xfrm>
+          <a:off x="0" y="0"/>
+          <a:ext cx="0" cy="0"/>
+          <a:chOff x="0" y="0"/>
+          <a:chExt cx="0" cy="0"/>
+        </a:xfrm>
+      </p:grpSpPr>
+      <p:sp>
+        <p:nvSpPr>
+          <p:cNvPr id="4" name="TextBox 3"/>
+          <p:cNvSpPr txBox="1"/>
+          <p:nvPr/>
+        </p:nvSpPr>
+        <p:spPr>
+          <a:xfrm>
+            <a:off x="2439325" y="1511456"/>
+            <a:ext cx="4495800" cy="369332"/>
+          </a:xfrm>
+          <a:prstGeom prst="rect">
+            <a:avLst/>
+          </a:prstGeom>
+          <a:noFill/>
+        </p:spPr>
+        <p:txBody>
+          <a:bodyPr wrap="square" rtlCol="0">
+            <a:spAutoFit/>
+          </a:bodyPr>
+          <a:lstStyle/>
+          <a:p>
+            <a:r>
+              <a:rPr lang="zh-CN" altLang="en-US" b="1" dirty="0" smtClean="0"/>
+              <a:t>基于</a:t>
+            </a:r>
+            <a:r>
+              <a:rPr lang="en-US" altLang="zh-CN" b="1" dirty="0" smtClean="0"/>
+              <a:t>Data Steam</a:t>
+            </a:r>
+            <a:r>
+              <a:rPr lang="zh-CN" altLang="en-US" b="1" dirty="0" smtClean="0"/>
+              <a:t>的调度使用方式</a:t>
+            </a:r>
+            <a:endParaRPr lang="zh-CN" altLang="en-US" b="1" dirty="0"/>
+          </a:p>
+        </p:txBody>
+      </p:sp>
+      <p:sp>
+        <p:nvSpPr>
+          <p:cNvPr id="2" name="TextBox 1"/>
+          <p:cNvSpPr txBox="1"/>
+          <p:nvPr/>
+        </p:nvSpPr>
+        <p:spPr>
+          <a:xfrm>
+            <a:off x="385482" y="2250162"/>
+            <a:ext cx="2395537" cy="369332"/>
+          </a:xfrm>
+          <a:prstGeom prst="rect">
+            <a:avLst/>
+          </a:prstGeom>
+          <a:noFill/>
+        </p:spPr>
+        <p:txBody>
+          <a:bodyPr wrap="square" rtlCol="0">
+            <a:spAutoFit/>
+          </a:bodyPr>
+          <a:lstStyle/>
+          <a:p>
+            <a:r>
+              <a:rPr lang="en-US" altLang="zh-CN" b="1" dirty="0">
+                <a:solidFill>
+                  <a:srgbClr val="00B050"/>
+                </a:solidFill>
+              </a:rPr>
+              <a:t>3</a:t>
+            </a:r>
+            <a:r>
+              <a:rPr lang="en-US" altLang="zh-CN" b="1" dirty="0" smtClean="0">
+                <a:solidFill>
+                  <a:srgbClr val="00B050"/>
+                </a:solidFill>
+              </a:rPr>
+              <a:t>.</a:t>
+            </a:r>
+            <a:r>
+              <a:rPr lang="zh-CN" altLang="en-US" b="1" dirty="0" smtClean="0">
+                <a:solidFill>
+                  <a:srgbClr val="00B050"/>
+                </a:solidFill>
+              </a:rPr>
+              <a:t>上传</a:t>
+            </a:r>
+            <a:r>
+              <a:rPr lang="en-US" altLang="zh-CN" b="1" dirty="0" smtClean="0">
+                <a:solidFill>
+                  <a:srgbClr val="00B050"/>
+                </a:solidFill>
+              </a:rPr>
+              <a:t>Data Stream </a:t>
+            </a:r>
+            <a:endParaRPr lang="zh-CN" altLang="en-US" b="1" dirty="0">
+              <a:solidFill>
+                <a:srgbClr val="00B050"/>
+              </a:solidFill>
+            </a:endParaRPr>
+          </a:p>
+        </p:txBody>
+      </p:sp>
+      <p:sp>
+        <p:nvSpPr>
+          <p:cNvPr id="3" name="TextBox 2"/>
+          <p:cNvSpPr txBox="1"/>
+          <p:nvPr/>
+        </p:nvSpPr>
+        <p:spPr>
+          <a:xfrm>
+            <a:off x="1676400" y="2743200"/>
+            <a:ext cx="5715000" cy="738664"/>
+          </a:xfrm>
+          <a:prstGeom prst="rect">
+            <a:avLst/>
+          </a:prstGeom>
+          <a:noFill/>
+        </p:spPr>
+        <p:txBody>
+          <a:bodyPr wrap="square" rtlCol="0">
+            <a:spAutoFit/>
+          </a:bodyPr>
+          <a:lstStyle/>
+          <a:p>
+            <a:r>
+              <a:rPr lang="zh-CN" altLang="en-US" sz="1400" dirty="0" smtClean="0"/>
+              <a:t>数据流不要上传文件，可以上传一些较少的消息，如</a:t>
+            </a:r>
+            <a:r>
+              <a:rPr lang="en-US" altLang="zh-CN" sz="1400" dirty="0" smtClean="0"/>
+              <a:t>key</a:t>
+            </a:r>
+            <a:r>
+              <a:rPr lang="zh-CN" altLang="en-US" sz="1400" dirty="0" smtClean="0"/>
+              <a:t>值</a:t>
+            </a:r>
+            <a:r>
+              <a:rPr lang="en-US" altLang="zh-CN" sz="1400" dirty="0" smtClean="0"/>
+              <a:t>(</a:t>
+            </a:r>
+            <a:r>
+              <a:rPr lang="zh-CN" altLang="en-US" sz="1400" dirty="0" smtClean="0"/>
+              <a:t>有大文件的可以先自己放在列式存储数据库，比如</a:t>
+            </a:r>
+            <a:r>
+              <a:rPr lang="en-US" altLang="zh-CN" sz="1400" dirty="0" smtClean="0"/>
+              <a:t>Hbase,Cassandra,S3</a:t>
+            </a:r>
+            <a:r>
+              <a:rPr lang="zh-CN" altLang="en-US" sz="1400" dirty="0" smtClean="0"/>
+              <a:t>等，然后将</a:t>
+            </a:r>
+            <a:r>
+              <a:rPr lang="en-US" altLang="zh-CN" sz="1400" dirty="0" smtClean="0"/>
+              <a:t>key</a:t>
+            </a:r>
+            <a:r>
+              <a:rPr lang="zh-CN" altLang="en-US" sz="1400" dirty="0" smtClean="0"/>
+              <a:t>值传入集群，在逻辑里面读入数据</a:t>
+            </a:r>
+            <a:r>
+              <a:rPr lang="en-US" altLang="zh-CN" sz="1400" dirty="0" smtClean="0"/>
+              <a:t>)</a:t>
+            </a:r>
+            <a:endParaRPr lang="zh-CN" altLang="en-US" sz="1400" dirty="0"/>
+          </a:p>
+        </p:txBody>
+      </p:sp>
+      <p:sp>
+        <p:nvSpPr>
+          <p:cNvPr id="5" name="TextBox 4"/>
+          <p:cNvSpPr txBox="1"/>
+          <p:nvPr/>
+        </p:nvSpPr>
+        <p:spPr>
+          <a:xfrm>
+            <a:off x="1802802" y="3625334"/>
+            <a:ext cx="4953000" cy="369332"/>
+          </a:xfrm>
+          <a:prstGeom prst="rect">
+            <a:avLst/>
+          </a:prstGeom>
+          <a:noFill/>
+        </p:spPr>
+        <p:txBody>
+          <a:bodyPr wrap="square" rtlCol="0">
+            <a:spAutoFit/>
+          </a:bodyPr>
+          <a:lstStyle/>
+          <a:p>
+            <a:r>
+              <a:rPr lang="zh-CN" altLang="en-US" dirty="0" smtClean="0">
+                <a:solidFill>
+                  <a:schemeClr val="accent4">
+                    <a:lumMod val="75000"/>
+                  </a:schemeClr>
+                </a:solidFill>
+              </a:rPr>
+              <a:t>上传方式</a:t>
+            </a:r>
+            <a:r>
+              <a:rPr lang="en-US" altLang="zh-CN" dirty="0" smtClean="0"/>
+              <a:t>:Rest(post)</a:t>
+            </a:r>
+            <a:endParaRPr lang="zh-CN" altLang="en-US" dirty="0"/>
+          </a:p>
+        </p:txBody>
+      </p:sp>
+      <p:sp>
+        <p:nvSpPr>
+          <p:cNvPr id="6" name="Rectangle 5"/>
+          <p:cNvSpPr/>
+          <p:nvPr/>
+        </p:nvSpPr>
+        <p:spPr>
+          <a:xfrm>
+            <a:off x="2362200" y="3994666"/>
+            <a:ext cx="5029200" cy="2092881"/>
+          </a:xfrm>
+          <a:prstGeom prst="rect">
+            <a:avLst/>
+          </a:prstGeom>
+        </p:spPr>
+        <p:txBody>
+          <a:bodyPr wrap="square">
+            <a:spAutoFit/>
+          </a:bodyPr>
+          <a:lstStyle/>
+          <a:p>
+            <a:r>
+              <a:rPr lang="en-US" altLang="zh-CN" sz="1000" dirty="0"/>
+              <a:t>curl -vg -H 'Content-Type: application/</a:t>
+            </a:r>
+            <a:r>
+              <a:rPr lang="en-US" altLang="zh-CN" sz="1000" dirty="0" err="1"/>
+              <a:t>json</a:t>
+            </a:r>
+            <a:r>
+              <a:rPr lang="en-US" altLang="zh-CN" sz="1000" dirty="0"/>
+              <a:t>'  -H 'Accept: application/</a:t>
+            </a:r>
+            <a:r>
+              <a:rPr lang="en-US" altLang="zh-CN" sz="1000" dirty="0" err="1"/>
+              <a:t>json</a:t>
+            </a:r>
+            <a:r>
+              <a:rPr lang="en-US" altLang="zh-CN" sz="1000" dirty="0"/>
+              <a:t>' -X POST -d </a:t>
+            </a:r>
+            <a:endParaRPr lang="en-US" altLang="zh-CN" sz="1000" dirty="0" smtClean="0"/>
+          </a:p>
+          <a:p>
+            <a:r>
+              <a:rPr lang="en-US" altLang="zh-CN" sz="1000" dirty="0" smtClean="0"/>
+              <a:t>'</a:t>
+            </a:r>
+            <a:r>
+              <a:rPr lang="en-US" altLang="zh-CN" sz="1000" dirty="0"/>
+              <a:t>{</a:t>
+            </a:r>
+            <a:r>
+              <a:rPr lang="en-US" altLang="zh-CN" sz="1000" dirty="0"/>
+              <a:t/>
+            </a:r>
+            <a:br>
+              <a:rPr lang="en-US" altLang="zh-CN" sz="1000" dirty="0"/>
+            </a:br>
+            <a:r>
+              <a:rPr lang="en-US" altLang="zh-CN" sz="1000" dirty="0"/>
+              <a:t>    </a:t>
+            </a:r>
+            <a:r>
+              <a:rPr lang="en-US" altLang="zh-CN" sz="1000" b="1" dirty="0"/>
+              <a:t>"</a:t>
+            </a:r>
+            <a:r>
+              <a:rPr lang="en-US" altLang="zh-CN" sz="1000" b="1" dirty="0">
+                <a:solidFill>
+                  <a:srgbClr val="FF0000"/>
+                </a:solidFill>
+              </a:rPr>
+              <a:t>jobName</a:t>
+            </a:r>
+            <a:r>
+              <a:rPr lang="en-US" altLang="zh-CN" sz="1000" b="1" dirty="0"/>
+              <a:t>"</a:t>
+            </a:r>
+            <a:r>
+              <a:rPr lang="en-US" altLang="zh-CN" sz="1000" dirty="0"/>
+              <a:t>:</a:t>
+            </a:r>
+            <a:r>
+              <a:rPr lang="en-US" altLang="zh-CN" sz="1000" b="1" dirty="0"/>
+              <a:t>"job3"</a:t>
+            </a:r>
+            <a:r>
+              <a:rPr lang="en-US" altLang="zh-CN" sz="1000" dirty="0"/>
+              <a:t>,</a:t>
+            </a:r>
+            <a:r>
+              <a:rPr lang="en-US" altLang="zh-CN" sz="1000" dirty="0"/>
+              <a:t/>
+            </a:r>
+            <a:br>
+              <a:rPr lang="en-US" altLang="zh-CN" sz="1000" dirty="0"/>
+            </a:br>
+            <a:r>
+              <a:rPr lang="en-US" altLang="zh-CN" sz="1000" dirty="0"/>
+              <a:t>    </a:t>
+            </a:r>
+            <a:r>
+              <a:rPr lang="en-US" altLang="zh-CN" sz="1000" b="1" dirty="0"/>
+              <a:t>"</a:t>
+            </a:r>
+            <a:r>
+              <a:rPr lang="en-US" altLang="zh-CN" sz="1000" b="1" dirty="0">
+                <a:solidFill>
+                  <a:srgbClr val="FFC000"/>
+                </a:solidFill>
+              </a:rPr>
+              <a:t>data</a:t>
+            </a:r>
+            <a:r>
+              <a:rPr lang="en-US" altLang="zh-CN" sz="1000" b="1" dirty="0"/>
+              <a:t>"</a:t>
+            </a:r>
+            <a:r>
+              <a:rPr lang="en-US" altLang="zh-CN" sz="1000" dirty="0"/>
+              <a:t>:[</a:t>
+            </a:r>
+            <a:br>
+              <a:rPr lang="en-US" altLang="zh-CN" sz="1000" dirty="0"/>
+            </a:br>
+            <a:r>
+              <a:rPr lang="en-US" altLang="zh-CN" sz="1000" dirty="0"/>
+              <a:t>        </a:t>
+            </a:r>
+            <a:r>
+              <a:rPr lang="en-US" altLang="zh-CN" sz="1000" b="1" dirty="0"/>
+              <a:t>"key0"</a:t>
+            </a:r>
+            <a:r>
+              <a:rPr lang="en-US" altLang="zh-CN" sz="1000" dirty="0"/>
+              <a:t>,</a:t>
+            </a:r>
+            <a:br>
+              <a:rPr lang="en-US" altLang="zh-CN" sz="1000" dirty="0"/>
+            </a:br>
+            <a:r>
+              <a:rPr lang="en-US" altLang="zh-CN" sz="1000" dirty="0"/>
+              <a:t>        </a:t>
+            </a:r>
+            <a:r>
+              <a:rPr lang="en-US" altLang="zh-CN" sz="1000" b="1" dirty="0"/>
+              <a:t>"key1"</a:t>
+            </a:r>
+            <a:r>
+              <a:rPr lang="en-US" altLang="zh-CN" sz="1000" dirty="0"/>
+              <a:t>,</a:t>
+            </a:r>
+            <a:br>
+              <a:rPr lang="en-US" altLang="zh-CN" sz="1000" dirty="0"/>
+            </a:br>
+            <a:r>
+              <a:rPr lang="en-US" altLang="zh-CN" sz="1000" dirty="0"/>
+              <a:t>        </a:t>
+            </a:r>
+            <a:r>
+              <a:rPr lang="en-US" altLang="zh-CN" sz="1000" b="1" dirty="0"/>
+              <a:t>"key2"</a:t>
+            </a:r>
+            <a:r>
+              <a:rPr lang="en-US" altLang="zh-CN" sz="1000" dirty="0"/>
+              <a:t>,</a:t>
+            </a:r>
+            <a:br>
+              <a:rPr lang="en-US" altLang="zh-CN" sz="1000" dirty="0"/>
+            </a:br>
+            <a:r>
+              <a:rPr lang="en-US" altLang="zh-CN" sz="1000" dirty="0"/>
+              <a:t>        </a:t>
+            </a:r>
+            <a:r>
+              <a:rPr lang="en-US" altLang="zh-CN" sz="1000" b="1" dirty="0"/>
+              <a:t>"key3"</a:t>
+            </a:r>
+            <a:r>
+              <a:rPr lang="en-US" altLang="zh-CN" sz="1000" dirty="0"/>
+              <a:t>,</a:t>
+            </a:r>
+            <a:br>
+              <a:rPr lang="en-US" altLang="zh-CN" sz="1000" dirty="0"/>
+            </a:br>
+            <a:r>
+              <a:rPr lang="en-US" altLang="zh-CN" sz="1000" dirty="0"/>
+              <a:t>        </a:t>
+            </a:r>
+            <a:r>
+              <a:rPr lang="en-US" altLang="zh-CN" sz="1000" b="1" dirty="0"/>
+              <a:t>"key4</a:t>
+            </a:r>
+            <a:r>
+              <a:rPr lang="en-US" altLang="zh-CN" sz="1000" b="1" dirty="0" smtClean="0"/>
+              <a:t>"</a:t>
+            </a:r>
+            <a:r>
+              <a:rPr lang="en-US" altLang="zh-CN" sz="1000" dirty="0"/>
+              <a:t/>
+            </a:r>
+            <a:br>
+              <a:rPr lang="en-US" altLang="zh-CN" sz="1000" dirty="0"/>
+            </a:br>
+            <a:r>
+              <a:rPr lang="en-US" altLang="zh-CN" sz="1000" dirty="0"/>
+              <a:t>    ]</a:t>
+            </a:r>
+            <a:r>
+              <a:rPr lang="en-US" altLang="zh-CN" sz="1000" dirty="0"/>
+              <a:t/>
+            </a:r>
+            <a:br>
+              <a:rPr lang="en-US" altLang="zh-CN" sz="1000" dirty="0"/>
+            </a:br>
+            <a:r>
+              <a:rPr lang="en-US" altLang="zh-CN" sz="1000" dirty="0"/>
+              <a:t>}</a:t>
+            </a:r>
+            <a:r>
+              <a:rPr lang="en-US" altLang="zh-CN" sz="1000" dirty="0" smtClean="0"/>
+              <a:t> ‘</a:t>
+            </a:r>
+          </a:p>
+          <a:p>
+            <a:endParaRPr lang="en-US" altLang="zh-CN" sz="1000" dirty="0"/>
+          </a:p>
+          <a:p>
+            <a:r>
+              <a:rPr lang="en-US" altLang="zh-CN" sz="1000" dirty="0" smtClean="0"/>
+              <a:t> </a:t>
+            </a:r>
+            <a:r>
+              <a:rPr lang="en-US" altLang="zh-CN" sz="1000" dirty="0"/>
+              <a:t>http://192.168.1.72:9898/rest/trigger/</a:t>
+            </a:r>
+            <a:endParaRPr lang="zh-CN" altLang="en-US" sz="1000" dirty="0"/>
+          </a:p>
+        </p:txBody>
+      </p:sp>
+      <p:cxnSp>
+        <p:nvCxnSpPr>
+          <p:cNvPr id="8" name="Straight Arrow Connector 7"/>
+          <p:cNvCxnSpPr/>
+          <p:nvPr/>
+        </p:nvCxnSpPr>
+        <p:spPr>
+          <a:xfrm flipH="1" flipV="1">
+            <a:off x="1676400" y="4343400"/>
+            <a:ext cx="838200" cy="76200"/>
+          </a:xfrm>
+          <a:prstGeom prst="straightConnector1">
+            <a:avLst/>
+          </a:prstGeom>
+          <a:ln>
+            <a:tailEnd type="arrow"/>
+          </a:ln>
+        </p:spPr>
+        <p:style>
+          <a:lnRef idx="1">
+            <a:schemeClr val="accent1"/>
+          </a:lnRef>
+          <a:fillRef idx="0">
+            <a:schemeClr val="accent1"/>
+          </a:fillRef>
+          <a:effectRef idx="0">
+            <a:schemeClr val="accent1"/>
+          </a:effectRef>
+          <a:fontRef idx="minor">
+            <a:schemeClr val="tx1"/>
+          </a:fontRef>
+        </p:style>
+      </p:cxnSp>
+      <p:sp>
+        <p:nvSpPr>
+          <p:cNvPr id="9" name="TextBox 8"/>
+          <p:cNvSpPr txBox="1"/>
+          <p:nvPr/>
+        </p:nvSpPr>
+        <p:spPr>
+          <a:xfrm>
+            <a:off x="292332" y="4800600"/>
+            <a:ext cx="1993668" cy="646331"/>
+          </a:xfrm>
+          <a:prstGeom prst="rect">
+            <a:avLst/>
+          </a:prstGeom>
+          <a:noFill/>
+        </p:spPr>
+        <p:txBody>
+          <a:bodyPr wrap="square" rtlCol="0">
+            <a:spAutoFit/>
+          </a:bodyPr>
+          <a:lstStyle/>
+          <a:p>
+            <a:r>
+              <a:rPr lang="zh-CN" altLang="en-US" sz="1200" b="1" dirty="0" smtClean="0"/>
+              <a:t>必须包含</a:t>
+            </a:r>
+            <a:r>
+              <a:rPr lang="en-US" altLang="zh-CN" sz="1200" b="1" dirty="0" err="1" smtClean="0"/>
+              <a:t>jobName</a:t>
+            </a:r>
+            <a:r>
+              <a:rPr lang="zh-CN" altLang="en-US" sz="1200" b="1" dirty="0" smtClean="0"/>
+              <a:t>和</a:t>
+            </a:r>
+            <a:r>
+              <a:rPr lang="en-US" altLang="zh-CN" sz="1200" b="1" dirty="0" smtClean="0"/>
+              <a:t>data</a:t>
+            </a:r>
+            <a:r>
+              <a:rPr lang="zh-CN" altLang="en-US" sz="1200" b="1" dirty="0" smtClean="0"/>
+              <a:t>字段，</a:t>
+            </a:r>
+            <a:r>
+              <a:rPr lang="en-US" altLang="zh-CN" sz="1200" b="1" dirty="0" err="1" smtClean="0"/>
+              <a:t>jobName</a:t>
+            </a:r>
+            <a:r>
+              <a:rPr lang="zh-CN" altLang="en-US" sz="1200" b="1" dirty="0" smtClean="0"/>
+              <a:t>为</a:t>
+            </a:r>
+            <a:r>
+              <a:rPr lang="en-US" altLang="zh-CN" sz="1200" b="1" dirty="0" smtClean="0"/>
+              <a:t>String</a:t>
+            </a:r>
+            <a:r>
+              <a:rPr lang="zh-CN" altLang="en-US" sz="1200" b="1" dirty="0" smtClean="0"/>
+              <a:t>类型，</a:t>
+            </a:r>
+            <a:r>
+              <a:rPr lang="en-US" altLang="zh-CN" sz="1200" b="1" dirty="0" smtClean="0"/>
+              <a:t>data</a:t>
+            </a:r>
+            <a:r>
+              <a:rPr lang="zh-CN" altLang="en-US" sz="1200" b="1" dirty="0" smtClean="0"/>
+              <a:t>为</a:t>
+            </a:r>
+            <a:r>
+              <a:rPr lang="en-US" altLang="zh-CN" sz="1200" b="1" dirty="0" err="1" smtClean="0"/>
+              <a:t>jsonArray</a:t>
+            </a:r>
+            <a:endParaRPr lang="zh-CN" altLang="en-US" sz="1200" b="1" dirty="0"/>
+          </a:p>
+        </p:txBody>
+      </p:sp>
+    </p:spTree>
+    <p:extLst>
+      <p:ext uri="{BB962C8B-B14F-4D97-AF65-F5344CB8AC3E}">
+        <p14:creationId xmlns:p14="http://schemas.microsoft.com/office/powerpoint/2010/main" val="316045152"/>
+      </p:ext>
+    </p:extLst>
+  </p:cSld>
+  <p:clrMapOvr>
+    <a:masterClrMapping/>
+  </p:clrMapOvr>
+</p:sld>
+</file>
+
+<file path=ppt/slides/slide13.xml><?xml version="1.0" encoding="utf-8"?>
+<p:sld xmlns:a="http://schemas.openxmlformats.org/drawingml/2006/main" xmlns:r="http://schemas.openxmlformats.org/officeDocument/2006/relationships" xmlns:p="http://schemas.openxmlformats.org/presentationml/2006/main">
+  <p:cSld>
+    <p:spTree>
+      <p:nvGrpSpPr>
+        <p:cNvPr id="1" name=""/>
+        <p:cNvGrpSpPr/>
+        <p:nvPr/>
+      </p:nvGrpSpPr>
+      <p:grpSpPr>
+        <a:xfrm>
+          <a:off x="0" y="0"/>
+          <a:ext cx="0" cy="0"/>
+          <a:chOff x="0" y="0"/>
+          <a:chExt cx="0" cy="0"/>
+        </a:xfrm>
+      </p:grpSpPr>
+      <p:sp>
+        <p:nvSpPr>
+          <p:cNvPr id="4" name="TextBox 3"/>
+          <p:cNvSpPr txBox="1"/>
+          <p:nvPr/>
+        </p:nvSpPr>
+        <p:spPr>
+          <a:xfrm>
+            <a:off x="1981200" y="1981200"/>
+            <a:ext cx="5181600" cy="1200329"/>
+          </a:xfrm>
+          <a:prstGeom prst="rect">
+            <a:avLst/>
+          </a:prstGeom>
+          <a:noFill/>
+        </p:spPr>
+        <p:txBody>
+          <a:bodyPr wrap="square" rtlCol="0">
+            <a:spAutoFit/>
+          </a:bodyPr>
+          <a:lstStyle/>
+          <a:p>
+            <a:r>
+              <a:rPr lang="zh-CN" altLang="en-US" dirty="0"/>
+              <a:t>部署方</a:t>
+            </a:r>
+            <a:r>
+              <a:rPr lang="zh-CN" altLang="en-US" dirty="0" smtClean="0"/>
+              <a:t>式：</a:t>
+            </a:r>
+            <a:endParaRPr lang="en-US" altLang="zh-CN" dirty="0" smtClean="0"/>
+          </a:p>
+          <a:p>
+            <a:r>
+              <a:rPr lang="en-US" altLang="zh-CN" dirty="0"/>
+              <a:t> </a:t>
+            </a:r>
+            <a:r>
+              <a:rPr lang="en-US" altLang="zh-CN" dirty="0" smtClean="0"/>
+              <a:t> java</a:t>
+            </a:r>
+            <a:r>
+              <a:rPr lang="zh-CN" altLang="en-US" dirty="0" smtClean="0"/>
+              <a:t>应用可执行</a:t>
+            </a:r>
+            <a:r>
+              <a:rPr lang="en-US" altLang="zh-CN" dirty="0" smtClean="0"/>
+              <a:t>jar</a:t>
+            </a:r>
+            <a:r>
+              <a:rPr lang="zh-CN" altLang="en-US" dirty="0" smtClean="0"/>
+              <a:t>，若多台，只要</a:t>
+            </a:r>
+            <a:r>
+              <a:rPr lang="en-US" altLang="zh-CN" dirty="0" err="1" smtClean="0"/>
+              <a:t>zk</a:t>
+            </a:r>
+            <a:r>
+              <a:rPr lang="zh-CN" altLang="en-US" dirty="0" smtClean="0"/>
+              <a:t>配置一样会自动发现</a:t>
+            </a:r>
+            <a:endParaRPr lang="en-US" altLang="zh-CN" dirty="0" smtClean="0"/>
+          </a:p>
+          <a:p>
+            <a:r>
+              <a:rPr lang="en-US" altLang="zh-CN" dirty="0"/>
+              <a:t> </a:t>
+            </a:r>
+            <a:r>
+              <a:rPr lang="en-US" altLang="zh-CN" dirty="0" smtClean="0"/>
+              <a:t> </a:t>
+            </a:r>
+            <a:r>
+              <a:rPr lang="en-US" altLang="zh-CN" dirty="0" err="1" smtClean="0"/>
+              <a:t>datagrid</a:t>
+            </a:r>
+            <a:r>
+              <a:rPr lang="zh-CN" altLang="en-US" dirty="0" smtClean="0"/>
+              <a:t>下面  </a:t>
+            </a:r>
+            <a:r>
+              <a:rPr lang="en-US" altLang="zh-CN" dirty="0" err="1" smtClean="0"/>
+              <a:t>mvn</a:t>
+            </a:r>
+            <a:r>
+              <a:rPr lang="en-US" altLang="zh-CN" dirty="0" smtClean="0"/>
+              <a:t> </a:t>
+            </a:r>
+            <a:r>
+              <a:rPr lang="en-US" altLang="zh-CN" smtClean="0"/>
+              <a:t>clean package</a:t>
+            </a:r>
+            <a:endParaRPr lang="zh-CN" altLang="en-US" dirty="0"/>
+          </a:p>
+        </p:txBody>
+      </p:sp>
+    </p:spTree>
+    <p:extLst>
+      <p:ext uri="{BB962C8B-B14F-4D97-AF65-F5344CB8AC3E}">
+        <p14:creationId xmlns:p14="http://schemas.microsoft.com/office/powerpoint/2010/main" val="595986805"/>
+      </p:ext>
+    </p:extLst>
+  </p:cSld>
+  <p:clrMapOvr>
+    <a:masterClrMapping/>
+  </p:clrMapOvr>
+  <p:timing>
+    <p:tnLst>
+      <p:par>
+        <p:cTn id="1" dur="indefinite" restart="never" nodeType="tmRoot"/>
+      </p:par>
+    </p:tnLst>
+  </p:timing>
+</p:sld>
+</file>
+
+<file path=ppt/slides/slide14.xml><?xml version="1.0" encoding="utf-8"?>
+<p:sld xmlns:a="http://schemas.openxmlformats.org/drawingml/2006/main" xmlns:r="http://schemas.openxmlformats.org/officeDocument/2006/relationships" xmlns:p="http://schemas.openxmlformats.org/presentationml/2006/main">
+  <p:cSld>
+    <p:spTree>
+      <p:nvGrpSpPr>
+        <p:cNvPr id="1" name=""/>
+        <p:cNvGrpSpPr/>
+        <p:nvPr/>
+      </p:nvGrpSpPr>
+      <p:grpSpPr>
+        <a:xfrm>
+          <a:off x="0" y="0"/>
+          <a:ext cx="0" cy="0"/>
+          <a:chOff x="0" y="0"/>
+          <a:chExt cx="0" cy="0"/>
+        </a:xfrm>
+      </p:grpSpPr>
+      <p:sp>
+        <p:nvSpPr>
+          <p:cNvPr id="4" name="TextBox 3"/>
+          <p:cNvSpPr txBox="1"/>
+          <p:nvPr/>
+        </p:nvSpPr>
+        <p:spPr>
+          <a:xfrm>
+            <a:off x="2667000" y="3238052"/>
+            <a:ext cx="4419600" cy="369332"/>
+          </a:xfrm>
+          <a:prstGeom prst="rect">
+            <a:avLst/>
+          </a:prstGeom>
+          <a:noFill/>
+        </p:spPr>
+        <p:txBody>
+          <a:bodyPr wrap="square" rtlCol="0">
+            <a:spAutoFit/>
+          </a:bodyPr>
+          <a:lstStyle/>
+          <a:p>
+            <a:r>
+              <a:rPr lang="zh-CN" altLang="en-US" dirty="0" smtClean="0"/>
+              <a:t>有问题随时沟通，谢谢</a:t>
+            </a:r>
+            <a:endParaRPr lang="zh-CN" altLang="en-US" dirty="0"/>
+          </a:p>
+        </p:txBody>
+      </p:sp>
+    </p:spTree>
+    <p:extLst>
+      <p:ext uri="{BB962C8B-B14F-4D97-AF65-F5344CB8AC3E}">
+        <p14:creationId xmlns:p14="http://schemas.microsoft.com/office/powerpoint/2010/main" val="2520456321"/>
+      </p:ext>
+    </p:extLst>
+  </p:cSld>
+  <p:clrMapOvr>
+    <a:masterClrMapping/>
+  </p:clrMapOvr>
+  <p:timing>
+    <p:tnLst>
+      <p:par>
+        <p:cTn id="1" dur="indefinite" restart="never" nodeType="tmRoot"/>
+      </p:par>
+    </p:tnLst>
+  </p:timing>
+</p:sld>
+</file>
+
+<file path=ppt/slides/slide2.xml><?xml version="1.0" encoding="utf-8"?>
+<p:sld xmlns:a="http://schemas.openxmlformats.org/drawingml/2006/main" xmlns:r="http://schemas.openxmlformats.org/officeDocument/2006/relationships" xmlns:p="http://schemas.openxmlformats.org/presentationml/2006/main">
+  <p:cSld>
+    <p:spTree>
+      <p:nvGrpSpPr>
+        <p:cNvPr id="1" name=""/>
+        <p:cNvGrpSpPr/>
+        <p:nvPr/>
+      </p:nvGrpSpPr>
+      <p:grpSpPr>
+        <a:xfrm>
+          <a:off x="0" y="0"/>
+          <a:ext cx="0" cy="0"/>
+          <a:chOff x="0" y="0"/>
+          <a:chExt cx="0" cy="0"/>
+        </a:xfrm>
+      </p:grpSpPr>
+      <p:sp>
+        <p:nvSpPr>
+          <p:cNvPr id="4" name="TextBox 3"/>
+          <p:cNvSpPr txBox="1"/>
+          <p:nvPr/>
+        </p:nvSpPr>
+        <p:spPr>
+          <a:xfrm>
+            <a:off x="685800" y="457200"/>
+            <a:ext cx="4724400" cy="369332"/>
+          </a:xfrm>
+          <a:prstGeom prst="rect">
+            <a:avLst/>
+          </a:prstGeom>
+          <a:noFill/>
+        </p:spPr>
+        <p:txBody>
+          <a:bodyPr wrap="square" rtlCol="0">
+            <a:spAutoFit/>
+          </a:bodyPr>
+          <a:lstStyle/>
+          <a:p>
+            <a:r>
+              <a:rPr lang="en-US" altLang="zh-CN" dirty="0"/>
+              <a:t>1.</a:t>
+            </a:r>
+            <a:r>
+              <a:rPr lang="zh-CN" altLang="en-US" dirty="0"/>
+              <a:t>生成</a:t>
+            </a:r>
+            <a:r>
+              <a:rPr lang="en-US" altLang="zh-CN" dirty="0"/>
+              <a:t>job</a:t>
+            </a:r>
+            <a:r>
+              <a:rPr lang="zh-CN" altLang="en-US" dirty="0"/>
+              <a:t>，注意目前支持页面，</a:t>
+            </a:r>
+            <a:r>
+              <a:rPr lang="en-US" altLang="zh-CN" dirty="0"/>
+              <a:t>xml</a:t>
+            </a:r>
+            <a:r>
+              <a:rPr lang="zh-CN" altLang="en-US" dirty="0"/>
+              <a:t>后续支持</a:t>
+            </a:r>
+          </a:p>
+        </p:txBody>
+      </p:sp>
+      <p:pic>
+        <p:nvPicPr>
+          <p:cNvPr id="1026" name="Picture 2"/>
+          <p:cNvPicPr>
+            <a:picLocks noChangeAspect="1" noChangeArrowheads="1"/>
+          </p:cNvPicPr>
+          <p:nvPr/>
+        </p:nvPicPr>
+        <p:blipFill>
+          <a:blip r:embed="rId2">
+            <a:extLst>
+              <a:ext uri="{28A0092B-C50C-407E-A947-70E740481C1C}">
+                <a14:useLocalDpi xmlns:a14="http://schemas.microsoft.com/office/drawing/2010/main" val="0"/>
+              </a:ext>
+            </a:extLst>
+          </a:blip>
+          <a:srcRect/>
+          <a:stretch>
+            <a:fillRect/>
+          </a:stretch>
+        </p:blipFill>
+        <p:spPr bwMode="auto">
+          <a:xfrm>
+            <a:off x="3429000" y="808602"/>
+            <a:ext cx="5534025" cy="5915025"/>
+          </a:xfrm>
+          <a:prstGeom prst="rect">
+            <a:avLst/>
+          </a:prstGeom>
+          <a:noFill/>
+          <a:ln>
+            <a:noFill/>
+          </a:ln>
+          <a:extLst>
+            <a:ext uri="{909E8E84-426E-40DD-AFC4-6F175D3DCCD1}">
+              <a14:hiddenFill xmlns:a14="http://schemas.microsoft.com/office/drawing/2010/main">
+                <a:solidFill>
+                  <a:schemeClr val="accent1"/>
+                </a:solidFill>
+              </a14:hiddenFill>
+            </a:ext>
+            <a:ext uri="{91240B29-F687-4F45-9708-019B960494DF}">
+              <a14:hiddenLine xmlns:a14="http://schemas.microsoft.com/office/drawing/2010/main" w="9525">
+                <a:solidFill>
+                  <a:schemeClr val="tx1"/>
+                </a:solidFill>
+                <a:miter lim="800000"/>
+                <a:headEnd/>
+                <a:tailEnd/>
+              </a14:hiddenLine>
+            </a:ext>
+          </a:extLst>
+        </p:spPr>
+      </p:pic>
+      <p:sp>
+        <p:nvSpPr>
           <p:cNvPr id="5" name="TextBox 4"/>
           <p:cNvSpPr txBox="1"/>
           <p:nvPr/>
@@ -3702,6 +5728,13 @@
   <p:clrMapOvr>
     <a:masterClrMapping/>
   </p:clrMapOvr>
+  <p:timing>
+    <p:tnLst>
+      <p:par>
+        <p:cTn id="1" dur="indefinite" restart="never" nodeType="tmRoot"/>
+      </p:par>
+    </p:tnLst>
+  </p:timing>
 </p:sld>
 </file>
 
@@ -5097,6 +7130,13 @@
   <p:clrMapOvr>
     <a:masterClrMapping/>
   </p:clrMapOvr>
+  <p:timing>
+    <p:tnLst>
+      <p:par>
+        <p:cTn id="1" dur="indefinite" restart="never" nodeType="tmRoot"/>
+      </p:par>
+    </p:tnLst>
+  </p:timing>
 </p:sld>
 </file>
 
@@ -5303,6 +7343,13 @@
   <p:clrMapOvr>
     <a:masterClrMapping/>
   </p:clrMapOvr>
+  <p:timing>
+    <p:tnLst>
+      <p:par>
+        <p:cTn id="1" dur="indefinite" restart="never" nodeType="tmRoot"/>
+      </p:par>
+    </p:tnLst>
+  </p:timing>
 </p:sld>
 </file>
 
@@ -5325,19 +7372,111 @@
       </p:grpSpPr>
       <p:sp>
         <p:nvSpPr>
-          <p:cNvPr id="4" name="TextBox 3"/>
-          <p:cNvSpPr txBox="1"/>
+          <p:cNvPr id="2" name="Title 1"/>
+          <p:cNvSpPr>
+            <a:spLocks noGrp="1"/>
+          </p:cNvSpPr>
+          <p:nvPr>
+            <p:ph type="title"/>
+          </p:nvPr>
+        </p:nvSpPr>
+        <p:spPr>
+          <a:xfrm>
+            <a:off x="457200" y="228600"/>
+            <a:ext cx="8229600" cy="1143000"/>
+          </a:xfrm>
+        </p:spPr>
+        <p:txBody>
+          <a:bodyPr>
+            <a:normAutofit/>
+          </a:bodyPr>
+          <a:lstStyle/>
+          <a:p>
+            <a:r>
+              <a:rPr lang="zh-CN" altLang="en-US" sz="1800" b="1" dirty="0" smtClean="0"/>
+              <a:t>批量</a:t>
+            </a:r>
+            <a:r>
+              <a:rPr lang="en-US" altLang="zh-CN" sz="1800" b="1" dirty="0" smtClean="0"/>
+              <a:t>Job XML</a:t>
+            </a:r>
+            <a:r>
+              <a:rPr lang="zh-CN" altLang="en-US" sz="1800" b="1" dirty="0" smtClean="0"/>
+              <a:t>导入</a:t>
+            </a:r>
+            <a:endParaRPr lang="zh-CN" altLang="en-US" sz="1800" b="1" dirty="0"/>
+          </a:p>
+        </p:txBody>
+      </p:sp>
+      <p:pic>
+        <p:nvPicPr>
+          <p:cNvPr id="1026" name="Picture 2"/>
+          <p:cNvPicPr>
+            <a:picLocks noChangeAspect="1" noChangeArrowheads="1"/>
+          </p:cNvPicPr>
           <p:nvPr/>
-        </p:nvSpPr>
-        <p:spPr>
-          <a:xfrm>
-            <a:off x="1981200" y="1981200"/>
-            <a:ext cx="5181600" cy="1200329"/>
+        </p:nvPicPr>
+        <p:blipFill>
+          <a:blip r:embed="rId2">
+            <a:extLst>
+              <a:ext uri="{28A0092B-C50C-407E-A947-70E740481C1C}">
+                <a14:useLocalDpi xmlns:a14="http://schemas.microsoft.com/office/drawing/2010/main" val="0"/>
+              </a:ext>
+            </a:extLst>
+          </a:blip>
+          <a:srcRect/>
+          <a:stretch>
+            <a:fillRect/>
+          </a:stretch>
+        </p:blipFill>
+        <p:spPr bwMode="auto">
+          <a:xfrm>
+            <a:off x="3124200" y="1295400"/>
+            <a:ext cx="5561342" cy="3961504"/>
           </a:xfrm>
           <a:prstGeom prst="rect">
             <a:avLst/>
           </a:prstGeom>
           <a:noFill/>
+          <a:ln>
+            <a:noFill/>
+          </a:ln>
+          <a:extLst>
+            <a:ext uri="{909E8E84-426E-40DD-AFC4-6F175D3DCCD1}">
+              <a14:hiddenFill xmlns:a14="http://schemas.microsoft.com/office/drawing/2010/main">
+                <a:solidFill>
+                  <a:schemeClr val="accent1"/>
+                </a:solidFill>
+              </a14:hiddenFill>
+            </a:ext>
+            <a:ext uri="{91240B29-F687-4F45-9708-019B960494DF}">
+              <a14:hiddenLine xmlns:a14="http://schemas.microsoft.com/office/drawing/2010/main" w="9525">
+                <a:solidFill>
+                  <a:schemeClr val="tx1"/>
+                </a:solidFill>
+                <a:miter lim="800000"/>
+                <a:headEnd/>
+                <a:tailEnd/>
+              </a14:hiddenLine>
+            </a:ext>
+          </a:extLst>
+        </p:spPr>
+      </p:pic>
+      <p:sp>
+        <p:nvSpPr>
+          <p:cNvPr id="5" name="TextBox 4"/>
+          <p:cNvSpPr txBox="1"/>
+          <p:nvPr/>
+        </p:nvSpPr>
+        <p:spPr>
+          <a:xfrm>
+            <a:off x="4799971" y="5410200"/>
+            <a:ext cx="2209800" cy="276999"/>
+          </a:xfrm>
+          <a:prstGeom prst="rect">
+            <a:avLst/>
+          </a:prstGeom>
+          <a:noFill/>
         </p:spPr>
         <p:txBody>
           <a:bodyPr wrap="square" rtlCol="0">
@@ -5346,89 +7485,523 @@
           <a:lstStyle/>
           <a:p>
             <a:r>
-              <a:rPr lang="zh-CN" altLang="en-US" dirty="0"/>
-              <a:t>部署方</a:t>
-            </a:r>
-            <a:r>
-              <a:rPr lang="zh-CN" altLang="en-US" dirty="0" smtClean="0"/>
-              <a:t>式：</a:t>
-            </a:r>
-            <a:endParaRPr lang="en-US" altLang="zh-CN" dirty="0" smtClean="0"/>
-          </a:p>
-          <a:p>
-            <a:r>
-              <a:rPr lang="en-US" altLang="zh-CN" dirty="0"/>
-              <a:t> </a:t>
-            </a:r>
-            <a:r>
-              <a:rPr lang="en-US" altLang="zh-CN" dirty="0" smtClean="0"/>
-              <a:t> java</a:t>
-            </a:r>
-            <a:r>
-              <a:rPr lang="zh-CN" altLang="en-US" dirty="0" smtClean="0"/>
-              <a:t>应用可执行</a:t>
-            </a:r>
-            <a:r>
-              <a:rPr lang="en-US" altLang="zh-CN" dirty="0" smtClean="0"/>
-              <a:t>jar</a:t>
-            </a:r>
-            <a:r>
-              <a:rPr lang="zh-CN" altLang="en-US" dirty="0" smtClean="0"/>
-              <a:t>，若多台，只要</a:t>
-            </a:r>
-            <a:r>
-              <a:rPr lang="en-US" altLang="zh-CN" dirty="0" err="1" smtClean="0"/>
-              <a:t>zk</a:t>
-            </a:r>
-            <a:r>
-              <a:rPr lang="zh-CN" altLang="en-US" dirty="0" smtClean="0"/>
-              <a:t>配置一样会自动发现</a:t>
-            </a:r>
-            <a:endParaRPr lang="en-US" altLang="zh-CN" dirty="0" smtClean="0"/>
-          </a:p>
-          <a:p>
-            <a:r>
-              <a:rPr lang="en-US" altLang="zh-CN" dirty="0"/>
-              <a:t> </a:t>
-            </a:r>
-            <a:r>
-              <a:rPr lang="en-US" altLang="zh-CN" dirty="0" smtClean="0"/>
-              <a:t> </a:t>
-            </a:r>
-            <a:r>
-              <a:rPr lang="en-US" altLang="zh-CN" dirty="0" err="1" smtClean="0"/>
-              <a:t>datagrid</a:t>
-            </a:r>
-            <a:r>
-              <a:rPr lang="zh-CN" altLang="en-US" dirty="0" smtClean="0"/>
-              <a:t>下面  </a:t>
-            </a:r>
-            <a:r>
-              <a:rPr lang="en-US" altLang="zh-CN" dirty="0" err="1" smtClean="0"/>
-              <a:t>mvn</a:t>
-            </a:r>
-            <a:r>
-              <a:rPr lang="en-US" altLang="zh-CN" dirty="0" smtClean="0"/>
-              <a:t> </a:t>
-            </a:r>
-            <a:r>
-              <a:rPr lang="en-US" altLang="zh-CN" smtClean="0"/>
-              <a:t>clean package</a:t>
-            </a:r>
-            <a:endParaRPr lang="zh-CN" altLang="en-US" dirty="0"/>
+              <a:rPr lang="en-US" altLang="zh-CN" sz="1200" dirty="0"/>
+              <a:t>j</a:t>
+            </a:r>
+            <a:r>
+              <a:rPr lang="en-US" altLang="zh-CN" sz="1200" dirty="0" smtClean="0"/>
+              <a:t>obs.xml</a:t>
+            </a:r>
+            <a:endParaRPr lang="zh-CN" altLang="en-US" sz="1200" dirty="0"/>
+          </a:p>
+        </p:txBody>
+      </p:sp>
+      <p:pic>
+        <p:nvPicPr>
+          <p:cNvPr id="1027" name="Picture 3"/>
+          <p:cNvPicPr>
+            <a:picLocks noChangeAspect="1" noChangeArrowheads="1"/>
+          </p:cNvPicPr>
+          <p:nvPr/>
+        </p:nvPicPr>
+        <p:blipFill>
+          <a:blip r:embed="rId3">
+            <a:extLst>
+              <a:ext uri="{28A0092B-C50C-407E-A947-70E740481C1C}">
+                <a14:useLocalDpi xmlns:a14="http://schemas.microsoft.com/office/drawing/2010/main" val="0"/>
+              </a:ext>
+            </a:extLst>
+          </a:blip>
+          <a:srcRect/>
+          <a:stretch>
+            <a:fillRect/>
+          </a:stretch>
+        </p:blipFill>
+        <p:spPr bwMode="auto">
+          <a:xfrm>
+            <a:off x="76199" y="2132229"/>
+            <a:ext cx="2895599" cy="3554970"/>
+          </a:xfrm>
+          <a:prstGeom prst="rect">
+            <a:avLst/>
+          </a:prstGeom>
+          <a:noFill/>
+          <a:ln>
+            <a:noFill/>
+          </a:ln>
+          <a:extLst>
+            <a:ext uri="{909E8E84-426E-40DD-AFC4-6F175D3DCCD1}">
+              <a14:hiddenFill xmlns:a14="http://schemas.microsoft.com/office/drawing/2010/main">
+                <a:solidFill>
+                  <a:schemeClr val="accent1"/>
+                </a:solidFill>
+              </a14:hiddenFill>
+            </a:ext>
+            <a:ext uri="{91240B29-F687-4F45-9708-019B960494DF}">
+              <a14:hiddenLine xmlns:a14="http://schemas.microsoft.com/office/drawing/2010/main" w="9525">
+                <a:solidFill>
+                  <a:schemeClr val="tx1"/>
+                </a:solidFill>
+                <a:miter lim="800000"/>
+                <a:headEnd/>
+                <a:tailEnd/>
+              </a14:hiddenLine>
+            </a:ext>
+          </a:extLst>
+        </p:spPr>
+      </p:pic>
+      <p:sp>
+        <p:nvSpPr>
+          <p:cNvPr id="7" name="Freeform 6"/>
+          <p:cNvSpPr/>
+          <p:nvPr/>
+        </p:nvSpPr>
+        <p:spPr>
+          <a:xfrm>
+            <a:off x="856398" y="5109882"/>
+            <a:ext cx="1521292" cy="623944"/>
+          </a:xfrm>
+          <a:custGeom>
+            <a:avLst/>
+            <a:gdLst>
+              <a:gd name="connsiteX0" fmla="*/ 4214 w 1521292"/>
+              <a:gd name="connsiteY0" fmla="*/ 86062 h 623944"/>
+              <a:gd name="connsiteX1" fmla="*/ 79517 w 1521292"/>
+              <a:gd name="connsiteY1" fmla="*/ 10758 h 623944"/>
+              <a:gd name="connsiteX2" fmla="*/ 122548 w 1521292"/>
+              <a:gd name="connsiteY2" fmla="*/ 0 h 623944"/>
+              <a:gd name="connsiteX3" fmla="*/ 1079978 w 1521292"/>
+              <a:gd name="connsiteY3" fmla="*/ 10758 h 623944"/>
+              <a:gd name="connsiteX4" fmla="*/ 1198313 w 1521292"/>
+              <a:gd name="connsiteY4" fmla="*/ 32273 h 623944"/>
+              <a:gd name="connsiteX5" fmla="*/ 1273616 w 1521292"/>
+              <a:gd name="connsiteY5" fmla="*/ 43031 h 623944"/>
+              <a:gd name="connsiteX6" fmla="*/ 1445738 w 1521292"/>
+              <a:gd name="connsiteY6" fmla="*/ 107577 h 623944"/>
+              <a:gd name="connsiteX7" fmla="*/ 1510284 w 1521292"/>
+              <a:gd name="connsiteY7" fmla="*/ 150607 h 623944"/>
+              <a:gd name="connsiteX8" fmla="*/ 1521042 w 1521292"/>
+              <a:gd name="connsiteY8" fmla="*/ 182880 h 623944"/>
+              <a:gd name="connsiteX9" fmla="*/ 1499527 w 1521292"/>
+              <a:gd name="connsiteY9" fmla="*/ 215153 h 623944"/>
+              <a:gd name="connsiteX10" fmla="*/ 1445738 w 1521292"/>
+              <a:gd name="connsiteY10" fmla="*/ 258184 h 623944"/>
+              <a:gd name="connsiteX11" fmla="*/ 1338162 w 1521292"/>
+              <a:gd name="connsiteY11" fmla="*/ 365760 h 623944"/>
+              <a:gd name="connsiteX12" fmla="*/ 1295131 w 1521292"/>
+              <a:gd name="connsiteY12" fmla="*/ 408791 h 623944"/>
+              <a:gd name="connsiteX13" fmla="*/ 1252101 w 1521292"/>
+              <a:gd name="connsiteY13" fmla="*/ 430306 h 623944"/>
+              <a:gd name="connsiteX14" fmla="*/ 1219828 w 1521292"/>
+              <a:gd name="connsiteY14" fmla="*/ 462579 h 623944"/>
+              <a:gd name="connsiteX15" fmla="*/ 1133767 w 1521292"/>
+              <a:gd name="connsiteY15" fmla="*/ 505610 h 623944"/>
+              <a:gd name="connsiteX16" fmla="*/ 1112251 w 1521292"/>
+              <a:gd name="connsiteY16" fmla="*/ 537883 h 623944"/>
+              <a:gd name="connsiteX17" fmla="*/ 1015433 w 1521292"/>
+              <a:gd name="connsiteY17" fmla="*/ 580913 h 623944"/>
+              <a:gd name="connsiteX18" fmla="*/ 993917 w 1521292"/>
+              <a:gd name="connsiteY18" fmla="*/ 602429 h 623944"/>
+              <a:gd name="connsiteX19" fmla="*/ 918614 w 1521292"/>
+              <a:gd name="connsiteY19" fmla="*/ 623944 h 623944"/>
+              <a:gd name="connsiteX20" fmla="*/ 477550 w 1521292"/>
+              <a:gd name="connsiteY20" fmla="*/ 613186 h 623944"/>
+              <a:gd name="connsiteX21" fmla="*/ 434520 w 1521292"/>
+              <a:gd name="connsiteY21" fmla="*/ 602429 h 623944"/>
+              <a:gd name="connsiteX22" fmla="*/ 369974 w 1521292"/>
+              <a:gd name="connsiteY22" fmla="*/ 570156 h 623944"/>
+              <a:gd name="connsiteX23" fmla="*/ 240882 w 1521292"/>
+              <a:gd name="connsiteY23" fmla="*/ 462579 h 623944"/>
+              <a:gd name="connsiteX24" fmla="*/ 208609 w 1521292"/>
+              <a:gd name="connsiteY24" fmla="*/ 430306 h 623944"/>
+              <a:gd name="connsiteX25" fmla="*/ 187094 w 1521292"/>
+              <a:gd name="connsiteY25" fmla="*/ 365760 h 623944"/>
+              <a:gd name="connsiteX26" fmla="*/ 176336 w 1521292"/>
+              <a:gd name="connsiteY26" fmla="*/ 301214 h 623944"/>
+              <a:gd name="connsiteX27" fmla="*/ 154821 w 1521292"/>
+              <a:gd name="connsiteY27" fmla="*/ 268942 h 623944"/>
+              <a:gd name="connsiteX28" fmla="*/ 133306 w 1521292"/>
+              <a:gd name="connsiteY28" fmla="*/ 225911 h 623944"/>
+              <a:gd name="connsiteX29" fmla="*/ 58002 w 1521292"/>
+              <a:gd name="connsiteY29" fmla="*/ 129092 h 623944"/>
+              <a:gd name="connsiteX30" fmla="*/ 25729 w 1521292"/>
+              <a:gd name="connsiteY30" fmla="*/ 107577 h 623944"/>
+              <a:gd name="connsiteX31" fmla="*/ 4214 w 1521292"/>
+              <a:gd name="connsiteY31" fmla="*/ 86062 h 623944"/>
+            </a:gdLst>
+            <a:ahLst/>
+            <a:cxnLst>
+              <a:cxn ang="0">
+                <a:pos x="connsiteX0" y="connsiteY0"/>
+              </a:cxn>
+              <a:cxn ang="0">
+                <a:pos x="connsiteX1" y="connsiteY1"/>
+              </a:cxn>
+              <a:cxn ang="0">
+                <a:pos x="connsiteX2" y="connsiteY2"/>
+              </a:cxn>
+              <a:cxn ang="0">
+                <a:pos x="connsiteX3" y="connsiteY3"/>
+              </a:cxn>
+              <a:cxn ang="0">
+                <a:pos x="connsiteX4" y="connsiteY4"/>
+              </a:cxn>
+              <a:cxn ang="0">
+                <a:pos x="connsiteX5" y="connsiteY5"/>
+              </a:cxn>
+              <a:cxn ang="0">
+                <a:pos x="connsiteX6" y="connsiteY6"/>
+              </a:cxn>
+              <a:cxn ang="0">
+                <a:pos x="connsiteX7" y="connsiteY7"/>
+              </a:cxn>
+              <a:cxn ang="0">
+                <a:pos x="connsiteX8" y="connsiteY8"/>
+              </a:cxn>
+              <a:cxn ang="0">
+                <a:pos x="connsiteX9" y="connsiteY9"/>
+              </a:cxn>
+              <a:cxn ang="0">
+                <a:pos x="connsiteX10" y="connsiteY10"/>
+              </a:cxn>
+              <a:cxn ang="0">
+                <a:pos x="connsiteX11" y="connsiteY11"/>
+              </a:cxn>
+              <a:cxn ang="0">
+                <a:pos x="connsiteX12" y="connsiteY12"/>
+              </a:cxn>
+              <a:cxn ang="0">
+                <a:pos x="connsiteX13" y="connsiteY13"/>
+              </a:cxn>
+              <a:cxn ang="0">
+                <a:pos x="connsiteX14" y="connsiteY14"/>
+              </a:cxn>
+              <a:cxn ang="0">
+                <a:pos x="connsiteX15" y="connsiteY15"/>
+              </a:cxn>
+              <a:cxn ang="0">
+                <a:pos x="connsiteX16" y="connsiteY16"/>
+              </a:cxn>
+              <a:cxn ang="0">
+                <a:pos x="connsiteX17" y="connsiteY17"/>
+              </a:cxn>
+              <a:cxn ang="0">
+                <a:pos x="connsiteX18" y="connsiteY18"/>
+              </a:cxn>
+              <a:cxn ang="0">
+                <a:pos x="connsiteX19" y="connsiteY19"/>
+              </a:cxn>
+              <a:cxn ang="0">
+                <a:pos x="connsiteX20" y="connsiteY20"/>
+              </a:cxn>
+              <a:cxn ang="0">
+                <a:pos x="connsiteX21" y="connsiteY21"/>
+              </a:cxn>
+              <a:cxn ang="0">
+                <a:pos x="connsiteX22" y="connsiteY22"/>
+              </a:cxn>
+              <a:cxn ang="0">
+                <a:pos x="connsiteX23" y="connsiteY23"/>
+              </a:cxn>
+              <a:cxn ang="0">
+                <a:pos x="connsiteX24" y="connsiteY24"/>
+              </a:cxn>
+              <a:cxn ang="0">
+                <a:pos x="connsiteX25" y="connsiteY25"/>
+              </a:cxn>
+              <a:cxn ang="0">
+                <a:pos x="connsiteX26" y="connsiteY26"/>
+              </a:cxn>
+              <a:cxn ang="0">
+                <a:pos x="connsiteX27" y="connsiteY27"/>
+              </a:cxn>
+              <a:cxn ang="0">
+                <a:pos x="connsiteX28" y="connsiteY28"/>
+              </a:cxn>
+              <a:cxn ang="0">
+                <a:pos x="connsiteX29" y="connsiteY29"/>
+              </a:cxn>
+              <a:cxn ang="0">
+                <a:pos x="connsiteX30" y="connsiteY30"/>
+              </a:cxn>
+              <a:cxn ang="0">
+                <a:pos x="connsiteX31" y="connsiteY31"/>
+              </a:cxn>
+            </a:cxnLst>
+            <a:rect l="l" t="t" r="r" b="b"/>
+            <a:pathLst>
+              <a:path w="1521292" h="623944">
+                <a:moveTo>
+                  <a:pt x="4214" y="86062"/>
+                </a:moveTo>
+                <a:cubicBezTo>
+                  <a:pt x="13179" y="69926"/>
+                  <a:pt x="43030" y="26395"/>
+                  <a:pt x="79517" y="10758"/>
+                </a:cubicBezTo>
+                <a:cubicBezTo>
+                  <a:pt x="93107" y="4934"/>
+                  <a:pt x="108204" y="3586"/>
+                  <a:pt x="122548" y="0"/>
+                </a:cubicBezTo>
+                <a:lnTo>
+                  <a:pt x="1079978" y="10758"/>
+                </a:lnTo>
+                <a:cubicBezTo>
+                  <a:pt x="1120052" y="11960"/>
+                  <a:pt x="1158767" y="25682"/>
+                  <a:pt x="1198313" y="32273"/>
+                </a:cubicBezTo>
+                <a:cubicBezTo>
+                  <a:pt x="1223324" y="36441"/>
+                  <a:pt x="1248515" y="39445"/>
+                  <a:pt x="1273616" y="43031"/>
+                </a:cubicBezTo>
+                <a:cubicBezTo>
+                  <a:pt x="1314375" y="56617"/>
+                  <a:pt x="1420007" y="90423"/>
+                  <a:pt x="1445738" y="107577"/>
+                </a:cubicBezTo>
+                <a:lnTo>
+                  <a:pt x="1510284" y="150607"/>
+                </a:lnTo>
+                <a:cubicBezTo>
+                  <a:pt x="1513870" y="161365"/>
+                  <a:pt x="1522906" y="171695"/>
+                  <a:pt x="1521042" y="182880"/>
+                </a:cubicBezTo>
+                <a:cubicBezTo>
+                  <a:pt x="1518917" y="195633"/>
+                  <a:pt x="1507604" y="205057"/>
+                  <a:pt x="1499527" y="215153"/>
+                </a:cubicBezTo>
+                <a:cubicBezTo>
+                  <a:pt x="1469475" y="252718"/>
+                  <a:pt x="1485677" y="222239"/>
+                  <a:pt x="1445738" y="258184"/>
+                </a:cubicBezTo>
+                <a:lnTo>
+                  <a:pt x="1338162" y="365760"/>
+                </a:lnTo>
+                <a:cubicBezTo>
+                  <a:pt x="1323818" y="380104"/>
+                  <a:pt x="1313274" y="399719"/>
+                  <a:pt x="1295131" y="408791"/>
+                </a:cubicBezTo>
+                <a:cubicBezTo>
+                  <a:pt x="1280788" y="415963"/>
+                  <a:pt x="1265150" y="420985"/>
+                  <a:pt x="1252101" y="430306"/>
+                </a:cubicBezTo>
+                <a:cubicBezTo>
+                  <a:pt x="1239721" y="439149"/>
+                  <a:pt x="1231999" y="453451"/>
+                  <a:pt x="1219828" y="462579"/>
+                </a:cubicBezTo>
+                <a:cubicBezTo>
+                  <a:pt x="1179181" y="493064"/>
+                  <a:pt x="1173476" y="492373"/>
+                  <a:pt x="1133767" y="505610"/>
+                </a:cubicBezTo>
+                <a:cubicBezTo>
+                  <a:pt x="1126595" y="516368"/>
+                  <a:pt x="1122594" y="530125"/>
+                  <a:pt x="1112251" y="537883"/>
+                </a:cubicBezTo>
+                <a:cubicBezTo>
+                  <a:pt x="1082373" y="560292"/>
+                  <a:pt x="1049403" y="569590"/>
+                  <a:pt x="1015433" y="580913"/>
+                </a:cubicBezTo>
+                <a:cubicBezTo>
+                  <a:pt x="1008261" y="588085"/>
+                  <a:pt x="1002614" y="597211"/>
+                  <a:pt x="993917" y="602429"/>
+                </a:cubicBezTo>
+                <a:cubicBezTo>
+                  <a:pt x="982897" y="609041"/>
+                  <a:pt x="926647" y="621936"/>
+                  <a:pt x="918614" y="623944"/>
+                </a:cubicBezTo>
+                <a:cubicBezTo>
+                  <a:pt x="771593" y="620358"/>
+                  <a:pt x="624470" y="619716"/>
+                  <a:pt x="477550" y="613186"/>
+                </a:cubicBezTo>
+                <a:cubicBezTo>
+                  <a:pt x="462780" y="612530"/>
+                  <a:pt x="448109" y="608253"/>
+                  <a:pt x="434520" y="602429"/>
+                </a:cubicBezTo>
+                <a:cubicBezTo>
+                  <a:pt x="288562" y="539875"/>
+                  <a:pt x="505945" y="615477"/>
+                  <a:pt x="369974" y="570156"/>
+                </a:cubicBezTo>
+                <a:cubicBezTo>
+                  <a:pt x="280111" y="510247"/>
+                  <a:pt x="323713" y="545410"/>
+                  <a:pt x="240882" y="462579"/>
+                </a:cubicBezTo>
+                <a:lnTo>
+                  <a:pt x="208609" y="430306"/>
+                </a:lnTo>
+                <a:cubicBezTo>
+                  <a:pt x="201437" y="408791"/>
+                  <a:pt x="190823" y="388131"/>
+                  <a:pt x="187094" y="365760"/>
+                </a:cubicBezTo>
+                <a:cubicBezTo>
+                  <a:pt x="183508" y="344245"/>
+                  <a:pt x="183234" y="321907"/>
+                  <a:pt x="176336" y="301214"/>
+                </a:cubicBezTo>
+                <a:cubicBezTo>
+                  <a:pt x="172248" y="288949"/>
+                  <a:pt x="161235" y="280167"/>
+                  <a:pt x="154821" y="268942"/>
+                </a:cubicBezTo>
+                <a:cubicBezTo>
+                  <a:pt x="146865" y="255018"/>
+                  <a:pt x="141557" y="239662"/>
+                  <a:pt x="133306" y="225911"/>
+                </a:cubicBezTo>
+                <a:cubicBezTo>
+                  <a:pt x="109317" y="185930"/>
+                  <a:pt x="92391" y="157749"/>
+                  <a:pt x="58002" y="129092"/>
+                </a:cubicBezTo>
+                <a:cubicBezTo>
+                  <a:pt x="48070" y="120815"/>
+                  <a:pt x="36487" y="114749"/>
+                  <a:pt x="25729" y="107577"/>
+                </a:cubicBezTo>
+                <a:cubicBezTo>
+                  <a:pt x="-234" y="68632"/>
+                  <a:pt x="-4751" y="102198"/>
+                  <a:pt x="4214" y="86062"/>
+                </a:cubicBezTo>
+                <a:close/>
+              </a:path>
+            </a:pathLst>
+          </a:custGeom>
+          <a:noFill/>
+        </p:spPr>
+        <p:style>
+          <a:lnRef idx="1">
+            <a:schemeClr val="accent3"/>
+          </a:lnRef>
+          <a:fillRef idx="3">
+            <a:schemeClr val="accent3"/>
+          </a:fillRef>
+          <a:effectRef idx="2">
+            <a:schemeClr val="accent3"/>
+          </a:effectRef>
+          <a:fontRef idx="minor">
+            <a:schemeClr val="lt1"/>
+          </a:fontRef>
+        </p:style>
+        <p:txBody>
+          <a:bodyPr rtlCol="0" anchor="ctr"/>
+          <a:lstStyle/>
+          <a:p>
+            <a:pPr algn="ctr"/>
+            <a:endParaRPr lang="zh-CN" altLang="en-US">
+              <a:solidFill>
+                <a:srgbClr val="FF0000"/>
+              </a:solidFill>
+            </a:endParaRPr>
+          </a:p>
+        </p:txBody>
+      </p:sp>
+      <p:cxnSp>
+        <p:nvCxnSpPr>
+          <p:cNvPr id="9" name="Straight Arrow Connector 8"/>
+          <p:cNvCxnSpPr/>
+          <p:nvPr/>
+        </p:nvCxnSpPr>
+        <p:spPr>
+          <a:xfrm>
+            <a:off x="1676400" y="5548699"/>
+            <a:ext cx="457200" cy="318701"/>
+          </a:xfrm>
+          <a:prstGeom prst="straightConnector1">
+            <a:avLst/>
+          </a:prstGeom>
+          <a:ln>
+            <a:tailEnd type="arrow"/>
+          </a:ln>
+        </p:spPr>
+        <p:style>
+          <a:lnRef idx="1">
+            <a:schemeClr val="accent1"/>
+          </a:lnRef>
+          <a:fillRef idx="0">
+            <a:schemeClr val="accent1"/>
+          </a:fillRef>
+          <a:effectRef idx="0">
+            <a:schemeClr val="accent1"/>
+          </a:effectRef>
+          <a:fontRef idx="minor">
+            <a:schemeClr val="tx1"/>
+          </a:fontRef>
+        </p:style>
+      </p:cxnSp>
+      <p:sp>
+        <p:nvSpPr>
+          <p:cNvPr id="10" name="TextBox 9"/>
+          <p:cNvSpPr txBox="1"/>
+          <p:nvPr/>
+        </p:nvSpPr>
+        <p:spPr>
+          <a:xfrm>
+            <a:off x="2209800" y="5867400"/>
+            <a:ext cx="1905000" cy="400110"/>
+          </a:xfrm>
+          <a:prstGeom prst="rect">
+            <a:avLst/>
+          </a:prstGeom>
+          <a:noFill/>
+        </p:spPr>
+        <p:txBody>
+          <a:bodyPr wrap="square" rtlCol="0">
+            <a:spAutoFit/>
+          </a:bodyPr>
+          <a:lstStyle/>
+          <a:p>
+            <a:r>
+              <a:rPr lang="zh-CN" altLang="en-US" sz="1000" b="1" dirty="0" smtClean="0"/>
+              <a:t>只需要上传</a:t>
+            </a:r>
+            <a:r>
+              <a:rPr lang="en-US" altLang="zh-CN" sz="1000" b="1" dirty="0" smtClean="0"/>
+              <a:t>xml</a:t>
+            </a:r>
+            <a:r>
+              <a:rPr lang="zh-CN" altLang="en-US" sz="1000" b="1" dirty="0" smtClean="0"/>
+              <a:t>即可，不需要网页录入</a:t>
+            </a:r>
+            <a:endParaRPr lang="zh-CN" altLang="en-US" sz="1000" b="1" dirty="0"/>
           </a:p>
         </p:txBody>
       </p:sp>
     </p:spTree>
     <p:extLst>
       <p:ext uri="{BB962C8B-B14F-4D97-AF65-F5344CB8AC3E}">
-        <p14:creationId xmlns:p14="http://schemas.microsoft.com/office/powerpoint/2010/main" val="595986805"/>
+        <p14:creationId xmlns:p14="http://schemas.microsoft.com/office/powerpoint/2010/main" val="3990211027"/>
       </p:ext>
     </p:extLst>
   </p:cSld>
   <p:clrMapOvr>
     <a:masterClrMapping/>
   </p:clrMapOvr>
+  <p:timing>
+    <p:tnLst>
+      <p:par>
+        <p:cTn id="1" dur="indefinite" restart="never" nodeType="tmRoot"/>
+      </p:par>
+    </p:tnLst>
+  </p:timing>
 </p:sld>
 </file>
 
@@ -5457,8 +8030,8 @@
         </p:nvSpPr>
         <p:spPr>
           <a:xfrm>
-            <a:off x="2667000" y="3238052"/>
-            <a:ext cx="4419600" cy="369332"/>
+            <a:off x="2438400" y="1676400"/>
+            <a:ext cx="4495800" cy="369332"/>
           </a:xfrm>
           <a:prstGeom prst="rect">
             <a:avLst/>
@@ -5472,17 +8045,868 @@
           <a:lstStyle/>
           <a:p>
             <a:r>
-              <a:rPr lang="zh-CN" altLang="en-US" dirty="0" smtClean="0"/>
-              <a:t>有问题随时沟通，谢谢</a:t>
+              <a:rPr lang="zh-CN" altLang="en-US" b="1" dirty="0" smtClean="0"/>
+              <a:t>基于</a:t>
+            </a:r>
+            <a:r>
+              <a:rPr lang="en-US" altLang="zh-CN" b="1" dirty="0" smtClean="0"/>
+              <a:t>Data Steam</a:t>
+            </a:r>
+            <a:r>
+              <a:rPr lang="zh-CN" altLang="en-US" b="1" dirty="0" smtClean="0"/>
+              <a:t>的调度架构</a:t>
+            </a:r>
+            <a:endParaRPr lang="zh-CN" altLang="en-US" b="1" dirty="0"/>
+          </a:p>
+        </p:txBody>
+      </p:sp>
+      <p:sp>
+        <p:nvSpPr>
+          <p:cNvPr id="5" name="Rounded Rectangle 4"/>
+          <p:cNvSpPr/>
+          <p:nvPr/>
+        </p:nvSpPr>
+        <p:spPr>
+          <a:xfrm>
+            <a:off x="2400300" y="2581821"/>
+            <a:ext cx="5791200" cy="1981200"/>
+          </a:xfrm>
+          <a:prstGeom prst="roundRect">
+            <a:avLst/>
+          </a:prstGeom>
+        </p:spPr>
+        <p:style>
+          <a:lnRef idx="1">
+            <a:schemeClr val="accent2"/>
+          </a:lnRef>
+          <a:fillRef idx="2">
+            <a:schemeClr val="accent2"/>
+          </a:fillRef>
+          <a:effectRef idx="1">
+            <a:schemeClr val="accent2"/>
+          </a:effectRef>
+          <a:fontRef idx="minor">
+            <a:schemeClr val="dk1"/>
+          </a:fontRef>
+        </p:style>
+        <p:txBody>
+          <a:bodyPr rtlCol="0" anchor="ctr"/>
+          <a:lstStyle/>
+          <a:p>
+            <a:pPr algn="ctr"/>
+            <a:endParaRPr lang="zh-CN" altLang="en-US"/>
+          </a:p>
+        </p:txBody>
+      </p:sp>
+      <p:sp>
+        <p:nvSpPr>
+          <p:cNvPr id="6" name="TextBox 5"/>
+          <p:cNvSpPr txBox="1"/>
+          <p:nvPr/>
+        </p:nvSpPr>
+        <p:spPr>
+          <a:xfrm>
+            <a:off x="4610100" y="4715421"/>
+            <a:ext cx="1524000" cy="369332"/>
+          </a:xfrm>
+          <a:prstGeom prst="rect">
+            <a:avLst/>
+          </a:prstGeom>
+          <a:noFill/>
+        </p:spPr>
+        <p:txBody>
+          <a:bodyPr wrap="square" rtlCol="0">
+            <a:spAutoFit/>
+          </a:bodyPr>
+          <a:lstStyle/>
+          <a:p>
+            <a:r>
+              <a:rPr lang="zh-CN" altLang="en-US" b="1" dirty="0"/>
+              <a:t>调</a:t>
+            </a:r>
+            <a:r>
+              <a:rPr lang="zh-CN" altLang="en-US" b="1" dirty="0" smtClean="0"/>
+              <a:t>度集群</a:t>
+            </a:r>
+            <a:endParaRPr lang="zh-CN" altLang="en-US" b="1" dirty="0"/>
+          </a:p>
+        </p:txBody>
+      </p:sp>
+      <p:sp>
+        <p:nvSpPr>
+          <p:cNvPr id="7" name="Rectangle 6"/>
+          <p:cNvSpPr/>
+          <p:nvPr/>
+        </p:nvSpPr>
+        <p:spPr>
+          <a:xfrm>
+            <a:off x="3086100" y="3039021"/>
+            <a:ext cx="1143000" cy="1066800"/>
+          </a:xfrm>
+          <a:prstGeom prst="rect">
+            <a:avLst/>
+          </a:prstGeom>
+        </p:spPr>
+        <p:style>
+          <a:lnRef idx="2">
+            <a:schemeClr val="accent1">
+              <a:shade val="50000"/>
+            </a:schemeClr>
+          </a:lnRef>
+          <a:fillRef idx="1">
+            <a:schemeClr val="accent1"/>
+          </a:fillRef>
+          <a:effectRef idx="0">
+            <a:schemeClr val="accent1"/>
+          </a:effectRef>
+          <a:fontRef idx="minor">
+            <a:schemeClr val="lt1"/>
+          </a:fontRef>
+        </p:style>
+        <p:txBody>
+          <a:bodyPr rtlCol="0" anchor="ctr"/>
+          <a:lstStyle/>
+          <a:p>
+            <a:pPr algn="ctr"/>
+            <a:r>
+              <a:rPr lang="en-US" altLang="zh-CN" dirty="0"/>
+              <a:t>worker1</a:t>
             </a:r>
             <a:endParaRPr lang="zh-CN" altLang="en-US" dirty="0"/>
+          </a:p>
+          <a:p>
+            <a:pPr algn="ctr"/>
+            <a:endParaRPr lang="zh-CN" altLang="en-US" dirty="0"/>
+          </a:p>
+        </p:txBody>
+      </p:sp>
+      <p:sp>
+        <p:nvSpPr>
+          <p:cNvPr id="8" name="Rectangle 7"/>
+          <p:cNvSpPr/>
+          <p:nvPr/>
+        </p:nvSpPr>
+        <p:spPr>
+          <a:xfrm>
+            <a:off x="4610100" y="3039021"/>
+            <a:ext cx="1143000" cy="1066800"/>
+          </a:xfrm>
+          <a:prstGeom prst="rect">
+            <a:avLst/>
+          </a:prstGeom>
+        </p:spPr>
+        <p:style>
+          <a:lnRef idx="2">
+            <a:schemeClr val="accent1">
+              <a:shade val="50000"/>
+            </a:schemeClr>
+          </a:lnRef>
+          <a:fillRef idx="1">
+            <a:schemeClr val="accent1"/>
+          </a:fillRef>
+          <a:effectRef idx="0">
+            <a:schemeClr val="accent1"/>
+          </a:effectRef>
+          <a:fontRef idx="minor">
+            <a:schemeClr val="lt1"/>
+          </a:fontRef>
+        </p:style>
+        <p:txBody>
+          <a:bodyPr rtlCol="0" anchor="ctr"/>
+          <a:lstStyle/>
+          <a:p>
+            <a:pPr algn="ctr"/>
+            <a:r>
+              <a:rPr lang="en-US" altLang="zh-CN" dirty="0" smtClean="0"/>
+              <a:t>master</a:t>
+            </a:r>
+            <a:endParaRPr lang="zh-CN" altLang="en-US" dirty="0"/>
+          </a:p>
+        </p:txBody>
+      </p:sp>
+      <p:sp>
+        <p:nvSpPr>
+          <p:cNvPr id="9" name="Rectangle 8"/>
+          <p:cNvSpPr/>
+          <p:nvPr/>
+        </p:nvSpPr>
+        <p:spPr>
+          <a:xfrm>
+            <a:off x="6438900" y="3039021"/>
+            <a:ext cx="1143000" cy="1066800"/>
+          </a:xfrm>
+          <a:prstGeom prst="rect">
+            <a:avLst/>
+          </a:prstGeom>
+        </p:spPr>
+        <p:style>
+          <a:lnRef idx="2">
+            <a:schemeClr val="accent1">
+              <a:shade val="50000"/>
+            </a:schemeClr>
+          </a:lnRef>
+          <a:fillRef idx="1">
+            <a:schemeClr val="accent1"/>
+          </a:fillRef>
+          <a:effectRef idx="0">
+            <a:schemeClr val="accent1"/>
+          </a:effectRef>
+          <a:fontRef idx="minor">
+            <a:schemeClr val="lt1"/>
+          </a:fontRef>
+        </p:style>
+        <p:txBody>
+          <a:bodyPr rtlCol="0" anchor="ctr"/>
+          <a:lstStyle/>
+          <a:p>
+            <a:pPr algn="ctr"/>
+            <a:r>
+              <a:rPr lang="en-US" altLang="zh-CN" dirty="0" smtClean="0"/>
+              <a:t>worker2</a:t>
+            </a:r>
+            <a:endParaRPr lang="zh-CN" altLang="en-US" dirty="0"/>
+          </a:p>
+        </p:txBody>
+      </p:sp>
+      <p:cxnSp>
+        <p:nvCxnSpPr>
+          <p:cNvPr id="10" name="Straight Arrow Connector 9"/>
+          <p:cNvCxnSpPr/>
+          <p:nvPr/>
+        </p:nvCxnSpPr>
+        <p:spPr>
+          <a:xfrm flipV="1">
+            <a:off x="723900" y="3724821"/>
+            <a:ext cx="2362200" cy="762000"/>
+          </a:xfrm>
+          <a:prstGeom prst="straightConnector1">
+            <a:avLst/>
+          </a:prstGeom>
+          <a:ln>
+            <a:tailEnd type="arrow"/>
+          </a:ln>
+        </p:spPr>
+        <p:style>
+          <a:lnRef idx="1">
+            <a:schemeClr val="accent1"/>
+          </a:lnRef>
+          <a:fillRef idx="0">
+            <a:schemeClr val="accent1"/>
+          </a:fillRef>
+          <a:effectRef idx="0">
+            <a:schemeClr val="accent1"/>
+          </a:effectRef>
+          <a:fontRef idx="minor">
+            <a:schemeClr val="tx1"/>
+          </a:fontRef>
+        </p:style>
+      </p:cxnSp>
+      <p:sp>
+        <p:nvSpPr>
+          <p:cNvPr id="11" name="TextBox 10"/>
+          <p:cNvSpPr txBox="1"/>
+          <p:nvPr/>
+        </p:nvSpPr>
+        <p:spPr>
+          <a:xfrm>
+            <a:off x="723900" y="3724821"/>
+            <a:ext cx="1676400" cy="369332"/>
+          </a:xfrm>
+          <a:prstGeom prst="rect">
+            <a:avLst/>
+          </a:prstGeom>
+          <a:noFill/>
+        </p:spPr>
+        <p:txBody>
+          <a:bodyPr wrap="square" rtlCol="0">
+            <a:spAutoFit/>
+          </a:bodyPr>
+          <a:lstStyle/>
+          <a:p>
+            <a:r>
+              <a:rPr lang="en-US" altLang="zh-CN" dirty="0" smtClean="0"/>
+              <a:t>Rest (keys)</a:t>
+            </a:r>
+            <a:endParaRPr lang="zh-CN" altLang="en-US" dirty="0"/>
+          </a:p>
+        </p:txBody>
+      </p:sp>
+      <p:sp>
+        <p:nvSpPr>
+          <p:cNvPr id="12" name="Oval 11"/>
+          <p:cNvSpPr/>
+          <p:nvPr/>
+        </p:nvSpPr>
+        <p:spPr>
+          <a:xfrm>
+            <a:off x="1752600" y="5088339"/>
+            <a:ext cx="2476500" cy="1219200"/>
+          </a:xfrm>
+          <a:prstGeom prst="ellipse">
+            <a:avLst/>
+          </a:prstGeom>
+        </p:spPr>
+        <p:style>
+          <a:lnRef idx="1">
+            <a:schemeClr val="accent2"/>
+          </a:lnRef>
+          <a:fillRef idx="2">
+            <a:schemeClr val="accent2"/>
+          </a:fillRef>
+          <a:effectRef idx="1">
+            <a:schemeClr val="accent2"/>
+          </a:effectRef>
+          <a:fontRef idx="minor">
+            <a:schemeClr val="dk1"/>
+          </a:fontRef>
+        </p:style>
+        <p:txBody>
+          <a:bodyPr rtlCol="0" anchor="ctr"/>
+          <a:lstStyle/>
+          <a:p>
+            <a:pPr algn="ctr"/>
+            <a:endParaRPr lang="zh-CN" altLang="en-US"/>
+          </a:p>
+        </p:txBody>
+      </p:sp>
+      <p:sp>
+        <p:nvSpPr>
+          <p:cNvPr id="13" name="TextBox 12"/>
+          <p:cNvSpPr txBox="1"/>
+          <p:nvPr/>
+        </p:nvSpPr>
+        <p:spPr>
+          <a:xfrm>
+            <a:off x="2724150" y="6450092"/>
+            <a:ext cx="1333500" cy="369332"/>
+          </a:xfrm>
+          <a:prstGeom prst="rect">
+            <a:avLst/>
+          </a:prstGeom>
+          <a:noFill/>
+        </p:spPr>
+        <p:txBody>
+          <a:bodyPr wrap="square" rtlCol="0">
+            <a:spAutoFit/>
+          </a:bodyPr>
+          <a:lstStyle/>
+          <a:p>
+            <a:r>
+              <a:rPr lang="en-US" altLang="zh-CN" b="1" dirty="0" err="1" smtClean="0"/>
+              <a:t>zk</a:t>
+            </a:r>
+            <a:endParaRPr lang="zh-CN" altLang="en-US" b="1" dirty="0"/>
+          </a:p>
+        </p:txBody>
+      </p:sp>
+      <p:cxnSp>
+        <p:nvCxnSpPr>
+          <p:cNvPr id="14" name="Straight Arrow Connector 13"/>
+          <p:cNvCxnSpPr>
+            <a:endCxn id="12" idx="0"/>
+          </p:cNvCxnSpPr>
+          <p:nvPr/>
+        </p:nvCxnSpPr>
+        <p:spPr>
+          <a:xfrm flipH="1">
+            <a:off x="2990850" y="3724821"/>
+            <a:ext cx="95250" cy="1363518"/>
+          </a:xfrm>
+          <a:prstGeom prst="straightConnector1">
+            <a:avLst/>
+          </a:prstGeom>
+          <a:ln>
+            <a:tailEnd type="arrow"/>
+          </a:ln>
+        </p:spPr>
+        <p:style>
+          <a:lnRef idx="1">
+            <a:schemeClr val="accent1"/>
+          </a:lnRef>
+          <a:fillRef idx="0">
+            <a:schemeClr val="accent1"/>
+          </a:fillRef>
+          <a:effectRef idx="0">
+            <a:schemeClr val="accent1"/>
+          </a:effectRef>
+          <a:fontRef idx="minor">
+            <a:schemeClr val="tx1"/>
+          </a:fontRef>
+        </p:style>
+      </p:cxnSp>
+      <p:cxnSp>
+        <p:nvCxnSpPr>
+          <p:cNvPr id="15" name="Straight Arrow Connector 14"/>
+          <p:cNvCxnSpPr>
+            <a:endCxn id="12" idx="7"/>
+          </p:cNvCxnSpPr>
+          <p:nvPr/>
+        </p:nvCxnSpPr>
+        <p:spPr>
+          <a:xfrm flipH="1">
+            <a:off x="3866425" y="3909487"/>
+            <a:ext cx="1200875" cy="1357400"/>
+          </a:xfrm>
+          <a:prstGeom prst="straightConnector1">
+            <a:avLst/>
+          </a:prstGeom>
+          <a:ln>
+            <a:tailEnd type="arrow"/>
+          </a:ln>
+        </p:spPr>
+        <p:style>
+          <a:lnRef idx="1">
+            <a:schemeClr val="accent1"/>
+          </a:lnRef>
+          <a:fillRef idx="0">
+            <a:schemeClr val="accent1"/>
+          </a:fillRef>
+          <a:effectRef idx="0">
+            <a:schemeClr val="accent1"/>
+          </a:effectRef>
+          <a:fontRef idx="minor">
+            <a:schemeClr val="tx1"/>
+          </a:fontRef>
+        </p:style>
+      </p:cxnSp>
+      <p:sp>
+        <p:nvSpPr>
+          <p:cNvPr id="16" name="TextBox 15"/>
+          <p:cNvSpPr txBox="1"/>
+          <p:nvPr/>
+        </p:nvSpPr>
+        <p:spPr>
+          <a:xfrm>
+            <a:off x="2404782" y="4667313"/>
+            <a:ext cx="742950" cy="246221"/>
+          </a:xfrm>
+          <a:prstGeom prst="rect">
+            <a:avLst/>
+          </a:prstGeom>
+          <a:noFill/>
+        </p:spPr>
+        <p:txBody>
+          <a:bodyPr wrap="square" rtlCol="0">
+            <a:spAutoFit/>
+          </a:bodyPr>
+          <a:lstStyle/>
+          <a:p>
+            <a:r>
+              <a:rPr lang="en-US" altLang="zh-CN" sz="1000" b="1" dirty="0" smtClean="0"/>
+              <a:t>publish</a:t>
+            </a:r>
+            <a:endParaRPr lang="zh-CN" altLang="en-US" sz="1000" b="1" dirty="0"/>
+          </a:p>
+        </p:txBody>
+      </p:sp>
+      <p:sp>
+        <p:nvSpPr>
+          <p:cNvPr id="17" name="TextBox 16"/>
+          <p:cNvSpPr txBox="1"/>
+          <p:nvPr/>
+        </p:nvSpPr>
+        <p:spPr>
+          <a:xfrm>
+            <a:off x="4229100" y="5084753"/>
+            <a:ext cx="1066800" cy="369332"/>
+          </a:xfrm>
+          <a:prstGeom prst="rect">
+            <a:avLst/>
+          </a:prstGeom>
+          <a:noFill/>
+        </p:spPr>
+        <p:txBody>
+          <a:bodyPr wrap="square" rtlCol="0">
+            <a:spAutoFit/>
+          </a:bodyPr>
+          <a:lstStyle/>
+          <a:p>
+            <a:r>
+              <a:rPr lang="en-US" altLang="zh-CN" b="1" dirty="0" smtClean="0"/>
+              <a:t>consume</a:t>
+            </a:r>
+            <a:endParaRPr lang="zh-CN" altLang="en-US" b="1" dirty="0"/>
+          </a:p>
+        </p:txBody>
+      </p:sp>
+      <p:cxnSp>
+        <p:nvCxnSpPr>
+          <p:cNvPr id="18" name="Curved Connector 17"/>
+          <p:cNvCxnSpPr/>
+          <p:nvPr/>
+        </p:nvCxnSpPr>
+        <p:spPr>
+          <a:xfrm>
+            <a:off x="5676900" y="3039021"/>
+            <a:ext cx="838200" cy="381000"/>
+          </a:xfrm>
+          <a:prstGeom prst="curvedConnector3">
+            <a:avLst/>
+          </a:prstGeom>
+          <a:ln>
+            <a:tailEnd type="arrow"/>
+          </a:ln>
+        </p:spPr>
+        <p:style>
+          <a:lnRef idx="1">
+            <a:schemeClr val="accent1"/>
+          </a:lnRef>
+          <a:fillRef idx="0">
+            <a:schemeClr val="accent1"/>
+          </a:fillRef>
+          <a:effectRef idx="0">
+            <a:schemeClr val="accent1"/>
+          </a:effectRef>
+          <a:fontRef idx="minor">
+            <a:schemeClr val="tx1"/>
+          </a:fontRef>
+        </p:style>
+      </p:cxnSp>
+      <p:cxnSp>
+        <p:nvCxnSpPr>
+          <p:cNvPr id="19" name="Curved Connector 18"/>
+          <p:cNvCxnSpPr/>
+          <p:nvPr/>
+        </p:nvCxnSpPr>
+        <p:spPr>
+          <a:xfrm rot="10800000">
+            <a:off x="4178449" y="3085189"/>
+            <a:ext cx="952500" cy="517263"/>
+          </a:xfrm>
+          <a:prstGeom prst="curvedConnector3">
+            <a:avLst/>
+          </a:prstGeom>
+          <a:ln>
+            <a:tailEnd type="arrow"/>
+          </a:ln>
+        </p:spPr>
+        <p:style>
+          <a:lnRef idx="1">
+            <a:schemeClr val="accent1"/>
+          </a:lnRef>
+          <a:fillRef idx="0">
+            <a:schemeClr val="accent1"/>
+          </a:fillRef>
+          <a:effectRef idx="0">
+            <a:schemeClr val="accent1"/>
+          </a:effectRef>
+          <a:fontRef idx="minor">
+            <a:schemeClr val="tx1"/>
+          </a:fontRef>
+        </p:style>
+      </p:cxnSp>
+      <p:sp>
+        <p:nvSpPr>
+          <p:cNvPr id="20" name="TextBox 19"/>
+          <p:cNvSpPr txBox="1"/>
+          <p:nvPr/>
+        </p:nvSpPr>
+        <p:spPr>
+          <a:xfrm>
+            <a:off x="5562600" y="2771953"/>
+            <a:ext cx="647700" cy="246221"/>
+          </a:xfrm>
+          <a:prstGeom prst="rect">
+            <a:avLst/>
+          </a:prstGeom>
+          <a:noFill/>
+        </p:spPr>
+        <p:txBody>
+          <a:bodyPr wrap="square" rtlCol="0">
+            <a:spAutoFit/>
+          </a:bodyPr>
+          <a:lstStyle/>
+          <a:p>
+            <a:r>
+              <a:rPr lang="en-US" altLang="zh-CN" sz="1000" b="1" dirty="0"/>
+              <a:t>p</a:t>
+            </a:r>
+            <a:r>
+              <a:rPr lang="en-US" altLang="zh-CN" sz="1000" b="1" dirty="0" smtClean="0"/>
+              <a:t>artition</a:t>
+            </a:r>
+            <a:endParaRPr lang="zh-CN" altLang="en-US" sz="1000" b="1" dirty="0"/>
+          </a:p>
+        </p:txBody>
+      </p:sp>
+      <p:sp>
+        <p:nvSpPr>
+          <p:cNvPr id="21" name="Rectangle 20"/>
+          <p:cNvSpPr/>
+          <p:nvPr/>
+        </p:nvSpPr>
+        <p:spPr>
+          <a:xfrm>
+            <a:off x="6743700" y="3909487"/>
+            <a:ext cx="1219200" cy="497093"/>
+          </a:xfrm>
+          <a:prstGeom prst="rect">
+            <a:avLst/>
+          </a:prstGeom>
+        </p:spPr>
+        <p:style>
+          <a:lnRef idx="1">
+            <a:schemeClr val="accent1"/>
+          </a:lnRef>
+          <a:fillRef idx="2">
+            <a:schemeClr val="accent1"/>
+          </a:fillRef>
+          <a:effectRef idx="1">
+            <a:schemeClr val="accent1"/>
+          </a:effectRef>
+          <a:fontRef idx="minor">
+            <a:schemeClr val="dk1"/>
+          </a:fontRef>
+        </p:style>
+        <p:txBody>
+          <a:bodyPr rtlCol="0" anchor="ctr"/>
+          <a:lstStyle/>
+          <a:p>
+            <a:pPr algn="ctr"/>
+            <a:r>
+              <a:rPr lang="en-US" altLang="zh-CN" dirty="0" err="1" smtClean="0"/>
+              <a:t>Excute</a:t>
+            </a:r>
+            <a:endParaRPr lang="zh-CN" altLang="en-US" dirty="0"/>
+          </a:p>
+        </p:txBody>
+      </p:sp>
+      <p:sp>
+        <p:nvSpPr>
+          <p:cNvPr id="22" name="TextBox 21"/>
+          <p:cNvSpPr txBox="1"/>
+          <p:nvPr/>
+        </p:nvSpPr>
+        <p:spPr>
+          <a:xfrm>
+            <a:off x="6934200" y="4560095"/>
+            <a:ext cx="1600200" cy="369332"/>
+          </a:xfrm>
+          <a:prstGeom prst="rect">
+            <a:avLst/>
+          </a:prstGeom>
+          <a:noFill/>
+        </p:spPr>
+        <p:txBody>
+          <a:bodyPr wrap="square" rtlCol="0">
+            <a:spAutoFit/>
+          </a:bodyPr>
+          <a:lstStyle/>
+          <a:p>
+            <a:r>
+              <a:rPr lang="en-US" altLang="zh-CN" dirty="0" smtClean="0"/>
+              <a:t>(List&lt;Object&gt;)</a:t>
+            </a:r>
+            <a:endParaRPr lang="zh-CN" altLang="en-US" dirty="0"/>
+          </a:p>
+        </p:txBody>
+      </p:sp>
+      <p:cxnSp>
+        <p:nvCxnSpPr>
+          <p:cNvPr id="23" name="Curved Connector 22"/>
+          <p:cNvCxnSpPr>
+            <a:stCxn id="22" idx="2"/>
+          </p:cNvCxnSpPr>
+          <p:nvPr/>
+        </p:nvCxnSpPr>
+        <p:spPr>
+          <a:xfrm rot="5400000" flipH="1">
+            <a:off x="6319903" y="3515030"/>
+            <a:ext cx="771394" cy="2057400"/>
+          </a:xfrm>
+          <a:prstGeom prst="curvedConnector4">
+            <a:avLst>
+              <a:gd name="adj1" fmla="val -29635"/>
+              <a:gd name="adj2" fmla="val 69444"/>
+            </a:avLst>
+          </a:prstGeom>
+          <a:ln>
+            <a:tailEnd type="arrow"/>
+          </a:ln>
+        </p:spPr>
+        <p:style>
+          <a:lnRef idx="1">
+            <a:schemeClr val="accent1"/>
+          </a:lnRef>
+          <a:fillRef idx="0">
+            <a:schemeClr val="accent1"/>
+          </a:fillRef>
+          <a:effectRef idx="0">
+            <a:schemeClr val="accent1"/>
+          </a:effectRef>
+          <a:fontRef idx="minor">
+            <a:schemeClr val="tx1"/>
+          </a:fontRef>
+        </p:style>
+      </p:cxnSp>
+      <p:sp>
+        <p:nvSpPr>
+          <p:cNvPr id="24" name="TextBox 23"/>
+          <p:cNvSpPr txBox="1"/>
+          <p:nvPr/>
+        </p:nvSpPr>
+        <p:spPr>
+          <a:xfrm>
+            <a:off x="6210300" y="5088339"/>
+            <a:ext cx="2209800" cy="646331"/>
+          </a:xfrm>
+          <a:prstGeom prst="rect">
+            <a:avLst/>
+          </a:prstGeom>
+          <a:noFill/>
+        </p:spPr>
+        <p:txBody>
+          <a:bodyPr wrap="square" rtlCol="0">
+            <a:spAutoFit/>
+          </a:bodyPr>
+          <a:lstStyle/>
+          <a:p>
+            <a:r>
+              <a:rPr lang="zh-CN" altLang="en-US" b="1" dirty="0" smtClean="0"/>
+              <a:t>失败反馈</a:t>
+            </a:r>
+            <a:r>
+              <a:rPr lang="en-US" altLang="zh-CN" b="1" dirty="0" smtClean="0"/>
+              <a:t>(</a:t>
+            </a:r>
+            <a:r>
+              <a:rPr lang="en-US" altLang="zh-CN" b="1" dirty="0" err="1" smtClean="0"/>
+              <a:t>status,list</a:t>
+            </a:r>
+            <a:r>
+              <a:rPr lang="en-US" altLang="zh-CN" b="1" dirty="0" smtClean="0"/>
+              <a:t>&lt;Object&gt;)</a:t>
+            </a:r>
+            <a:endParaRPr lang="zh-CN" altLang="en-US" b="1" dirty="0"/>
+          </a:p>
+        </p:txBody>
+      </p:sp>
+      <p:sp>
+        <p:nvSpPr>
+          <p:cNvPr id="25" name="Rectangle 24"/>
+          <p:cNvSpPr/>
+          <p:nvPr/>
+        </p:nvSpPr>
+        <p:spPr>
+          <a:xfrm>
+            <a:off x="4876800" y="3857274"/>
+            <a:ext cx="1219200" cy="497093"/>
+          </a:xfrm>
+          <a:prstGeom prst="rect">
+            <a:avLst/>
+          </a:prstGeom>
+        </p:spPr>
+        <p:style>
+          <a:lnRef idx="1">
+            <a:schemeClr val="accent1"/>
+          </a:lnRef>
+          <a:fillRef idx="2">
+            <a:schemeClr val="accent1"/>
+          </a:fillRef>
+          <a:effectRef idx="1">
+            <a:schemeClr val="accent1"/>
+          </a:effectRef>
+          <a:fontRef idx="minor">
+            <a:schemeClr val="dk1"/>
+          </a:fontRef>
+        </p:style>
+        <p:txBody>
+          <a:bodyPr rtlCol="0" anchor="ctr"/>
+          <a:lstStyle/>
+          <a:p>
+            <a:pPr algn="ctr"/>
+            <a:r>
+              <a:rPr lang="en-US" altLang="zh-CN" dirty="0" err="1" smtClean="0"/>
+              <a:t>Excute</a:t>
+            </a:r>
+            <a:endParaRPr lang="zh-CN" altLang="en-US" dirty="0"/>
+          </a:p>
+        </p:txBody>
+      </p:sp>
+      <p:sp>
+        <p:nvSpPr>
+          <p:cNvPr id="26" name="Rectangle 25"/>
+          <p:cNvSpPr/>
+          <p:nvPr/>
+        </p:nvSpPr>
+        <p:spPr>
+          <a:xfrm>
+            <a:off x="3263574" y="3857274"/>
+            <a:ext cx="1219200" cy="497093"/>
+          </a:xfrm>
+          <a:prstGeom prst="rect">
+            <a:avLst/>
+          </a:prstGeom>
+        </p:spPr>
+        <p:style>
+          <a:lnRef idx="1">
+            <a:schemeClr val="accent1"/>
+          </a:lnRef>
+          <a:fillRef idx="2">
+            <a:schemeClr val="accent1"/>
+          </a:fillRef>
+          <a:effectRef idx="1">
+            <a:schemeClr val="accent1"/>
+          </a:effectRef>
+          <a:fontRef idx="minor">
+            <a:schemeClr val="dk1"/>
+          </a:fontRef>
+        </p:style>
+        <p:txBody>
+          <a:bodyPr rtlCol="0" anchor="ctr"/>
+          <a:lstStyle/>
+          <a:p>
+            <a:pPr algn="ctr"/>
+            <a:r>
+              <a:rPr lang="en-US" altLang="zh-CN" dirty="0" err="1" smtClean="0"/>
+              <a:t>Excute</a:t>
+            </a:r>
+            <a:endParaRPr lang="zh-CN" altLang="en-US" dirty="0"/>
+          </a:p>
+        </p:txBody>
+      </p:sp>
+      <p:sp>
+        <p:nvSpPr>
+          <p:cNvPr id="27" name="TextBox 26"/>
+          <p:cNvSpPr txBox="1"/>
+          <p:nvPr/>
+        </p:nvSpPr>
+        <p:spPr>
+          <a:xfrm>
+            <a:off x="647700" y="2353221"/>
+            <a:ext cx="1600200" cy="415498"/>
+          </a:xfrm>
+          <a:prstGeom prst="rect">
+            <a:avLst/>
+          </a:prstGeom>
+          <a:noFill/>
+        </p:spPr>
+        <p:txBody>
+          <a:bodyPr wrap="square" rtlCol="0">
+            <a:spAutoFit/>
+          </a:bodyPr>
+          <a:lstStyle/>
+          <a:p>
+            <a:r>
+              <a:rPr lang="en-US" altLang="zh-CN" sz="1050" b="1" dirty="0" smtClean="0"/>
+              <a:t>Request need data field and </a:t>
+            </a:r>
+            <a:r>
+              <a:rPr lang="en-US" altLang="zh-CN" sz="1050" b="1" dirty="0" err="1" smtClean="0"/>
+              <a:t>jobname</a:t>
+            </a:r>
+            <a:r>
+              <a:rPr lang="en-US" altLang="zh-CN" sz="1050" b="1" dirty="0" smtClean="0"/>
+              <a:t> field</a:t>
+            </a:r>
+            <a:endParaRPr lang="zh-CN" altLang="en-US" sz="1050" b="1" dirty="0"/>
           </a:p>
         </p:txBody>
       </p:sp>
     </p:spTree>
     <p:extLst>
       <p:ext uri="{BB962C8B-B14F-4D97-AF65-F5344CB8AC3E}">
-        <p14:creationId xmlns:p14="http://schemas.microsoft.com/office/powerpoint/2010/main" val="2520456321"/>
+        <p14:creationId xmlns:p14="http://schemas.microsoft.com/office/powerpoint/2010/main" val="3939008851"/>
       </p:ext>
     </p:extLst>
   </p:cSld>

--- a/doc/ppt/datagrid业务逻辑使用步骤说明.pptx
+++ b/doc/ppt/datagrid业务逻辑使用步骤说明.pptx
@@ -205,7 +205,7 @@
           <a:p>
             <a:fld id="{33C1F835-63EE-450F-B330-51232C804ABE}" type="datetimeFigureOut">
               <a:rPr lang="zh-CN" altLang="en-US" smtClean="0"/>
-              <a:t>2016/7/7</a:t>
+              <a:t>2016/7/11</a:t>
             </a:fld>
             <a:endParaRPr lang="zh-CN" altLang="en-US"/>
           </a:p>
@@ -655,7 +655,7 @@
             <a:fld id="{1D8BD707-D9CF-40AE-B4C6-C98DA3205C09}" type="datetimeFigureOut">
               <a:rPr lang="en-US" smtClean="0"/>
               <a:pPr/>
-              <a:t>7/7/2016</a:t>
+              <a:t>7/11/2016</a:t>
             </a:fld>
             <a:endParaRPr lang="en-US"/>
           </a:p>
@@ -822,7 +822,7 @@
             <a:fld id="{1D8BD707-D9CF-40AE-B4C6-C98DA3205C09}" type="datetimeFigureOut">
               <a:rPr lang="en-US" smtClean="0"/>
               <a:pPr/>
-              <a:t>7/7/2016</a:t>
+              <a:t>7/11/2016</a:t>
             </a:fld>
             <a:endParaRPr lang="en-US"/>
           </a:p>
@@ -999,7 +999,7 @@
             <a:fld id="{1D8BD707-D9CF-40AE-B4C6-C98DA3205C09}" type="datetimeFigureOut">
               <a:rPr lang="en-US" smtClean="0"/>
               <a:pPr/>
-              <a:t>7/7/2016</a:t>
+              <a:t>7/11/2016</a:t>
             </a:fld>
             <a:endParaRPr lang="en-US"/>
           </a:p>
@@ -1166,7 +1166,7 @@
             <a:fld id="{1D8BD707-D9CF-40AE-B4C6-C98DA3205C09}" type="datetimeFigureOut">
               <a:rPr lang="en-US" smtClean="0"/>
               <a:pPr/>
-              <a:t>7/7/2016</a:t>
+              <a:t>7/11/2016</a:t>
             </a:fld>
             <a:endParaRPr lang="en-US"/>
           </a:p>
@@ -1409,7 +1409,7 @@
             <a:fld id="{1D8BD707-D9CF-40AE-B4C6-C98DA3205C09}" type="datetimeFigureOut">
               <a:rPr lang="en-US" smtClean="0"/>
               <a:pPr/>
-              <a:t>7/7/2016</a:t>
+              <a:t>7/11/2016</a:t>
             </a:fld>
             <a:endParaRPr lang="en-US"/>
           </a:p>
@@ -1694,7 +1694,7 @@
             <a:fld id="{1D8BD707-D9CF-40AE-B4C6-C98DA3205C09}" type="datetimeFigureOut">
               <a:rPr lang="en-US" smtClean="0"/>
               <a:pPr/>
-              <a:t>7/7/2016</a:t>
+              <a:t>7/11/2016</a:t>
             </a:fld>
             <a:endParaRPr lang="en-US"/>
           </a:p>
@@ -2113,7 +2113,7 @@
             <a:fld id="{1D8BD707-D9CF-40AE-B4C6-C98DA3205C09}" type="datetimeFigureOut">
               <a:rPr lang="en-US" smtClean="0"/>
               <a:pPr/>
-              <a:t>7/7/2016</a:t>
+              <a:t>7/11/2016</a:t>
             </a:fld>
             <a:endParaRPr lang="en-US"/>
           </a:p>
@@ -2228,7 +2228,7 @@
             <a:fld id="{1D8BD707-D9CF-40AE-B4C6-C98DA3205C09}" type="datetimeFigureOut">
               <a:rPr lang="en-US" smtClean="0"/>
               <a:pPr/>
-              <a:t>7/7/2016</a:t>
+              <a:t>7/11/2016</a:t>
             </a:fld>
             <a:endParaRPr lang="en-US"/>
           </a:p>
@@ -2320,7 +2320,7 @@
             <a:fld id="{1D8BD707-D9CF-40AE-B4C6-C98DA3205C09}" type="datetimeFigureOut">
               <a:rPr lang="en-US" smtClean="0"/>
               <a:pPr/>
-              <a:t>7/7/2016</a:t>
+              <a:t>7/11/2016</a:t>
             </a:fld>
             <a:endParaRPr lang="en-US"/>
           </a:p>
@@ -2594,7 +2594,7 @@
             <a:fld id="{1D8BD707-D9CF-40AE-B4C6-C98DA3205C09}" type="datetimeFigureOut">
               <a:rPr lang="en-US" smtClean="0"/>
               <a:pPr/>
-              <a:t>7/7/2016</a:t>
+              <a:t>7/11/2016</a:t>
             </a:fld>
             <a:endParaRPr lang="en-US"/>
           </a:p>
@@ -2844,7 +2844,7 @@
             <a:fld id="{1D8BD707-D9CF-40AE-B4C6-C98DA3205C09}" type="datetimeFigureOut">
               <a:rPr lang="en-US" smtClean="0"/>
               <a:pPr/>
-              <a:t>7/7/2016</a:t>
+              <a:t>7/11/2016</a:t>
             </a:fld>
             <a:endParaRPr lang="en-US"/>
           </a:p>
@@ -3054,7 +3054,7 @@
             <a:fld id="{1D8BD707-D9CF-40AE-B4C6-C98DA3205C09}" type="datetimeFigureOut">
               <a:rPr lang="en-US" smtClean="0"/>
               <a:pPr/>
-              <a:t>7/7/2016</a:t>
+              <a:t>7/11/2016</a:t>
             </a:fld>
             <a:endParaRPr lang="en-US"/>
           </a:p>
@@ -3534,7 +3534,7 @@
         </p:nvSpPr>
         <p:spPr>
           <a:xfrm>
-            <a:off x="385482" y="2250162"/>
+            <a:off x="388171" y="2065496"/>
             <a:ext cx="2395537" cy="369332"/>
           </a:xfrm>
           <a:prstGeom prst="rect">
@@ -3572,9 +3572,120 @@
           </a:p>
         </p:txBody>
       </p:sp>
+      <p:sp>
+        <p:nvSpPr>
+          <p:cNvPr id="10" name="TextBox 9"/>
+          <p:cNvSpPr txBox="1"/>
+          <p:nvPr/>
+        </p:nvSpPr>
+        <p:spPr>
+          <a:xfrm>
+            <a:off x="1219200" y="5103911"/>
+            <a:ext cx="5943600" cy="307777"/>
+          </a:xfrm>
+          <a:prstGeom prst="rect">
+            <a:avLst/>
+          </a:prstGeom>
+          <a:noFill/>
+        </p:spPr>
+        <p:txBody>
+          <a:bodyPr wrap="square" rtlCol="0">
+            <a:spAutoFit/>
+          </a:bodyPr>
+          <a:lstStyle/>
+          <a:p>
+            <a:r>
+              <a:rPr lang="zh-CN" altLang="en-US" sz="1400" b="1" dirty="0" smtClean="0"/>
+              <a:t>继承</a:t>
+            </a:r>
+            <a:r>
+              <a:rPr lang="en-US" altLang="zh-CN" sz="1400" b="1" dirty="0" err="1" smtClean="0"/>
+              <a:t>DataStreamExcutor</a:t>
+            </a:r>
+            <a:r>
+              <a:rPr lang="zh-CN" altLang="en-US" sz="1400" b="1" dirty="0" smtClean="0"/>
+              <a:t>，实现</a:t>
+            </a:r>
+            <a:r>
+              <a:rPr lang="en-US" altLang="zh-CN" sz="1400" b="1" dirty="0" smtClean="0"/>
+              <a:t>service</a:t>
+            </a:r>
+            <a:r>
+              <a:rPr lang="zh-CN" altLang="en-US" sz="1400" b="1" dirty="0" smtClean="0"/>
+              <a:t>即可，支持</a:t>
+            </a:r>
+            <a:r>
+              <a:rPr lang="en-US" altLang="zh-CN" sz="1400" b="1" dirty="0" smtClean="0"/>
+              <a:t>java</a:t>
+            </a:r>
+            <a:r>
+              <a:rPr lang="zh-CN" altLang="en-US" sz="1400" b="1" dirty="0" smtClean="0"/>
+              <a:t>和</a:t>
+            </a:r>
+            <a:r>
+              <a:rPr lang="en-US" altLang="zh-CN" sz="1400" b="1" dirty="0" err="1" smtClean="0"/>
+              <a:t>scala</a:t>
+            </a:r>
+            <a:endParaRPr lang="zh-CN" altLang="en-US" sz="1400" b="1" dirty="0"/>
+          </a:p>
+        </p:txBody>
+      </p:sp>
+      <p:sp>
+        <p:nvSpPr>
+          <p:cNvPr id="11" name="TextBox 10"/>
+          <p:cNvSpPr txBox="1"/>
+          <p:nvPr/>
+        </p:nvSpPr>
+        <p:spPr>
+          <a:xfrm>
+            <a:off x="1371600" y="5638800"/>
+            <a:ext cx="5638800" cy="646331"/>
+          </a:xfrm>
+          <a:prstGeom prst="rect">
+            <a:avLst/>
+          </a:prstGeom>
+          <a:noFill/>
+        </p:spPr>
+        <p:txBody>
+          <a:bodyPr wrap="square" rtlCol="0">
+            <a:spAutoFit/>
+          </a:bodyPr>
+          <a:lstStyle/>
+          <a:p>
+            <a:r>
+              <a:rPr lang="zh-CN" altLang="en-US" dirty="0" smtClean="0">
+                <a:solidFill>
+                  <a:srgbClr val="FFC000"/>
+                </a:solidFill>
+              </a:rPr>
+              <a:t>注意：</a:t>
+            </a:r>
+            <a:endParaRPr lang="en-US" altLang="zh-CN" dirty="0" smtClean="0">
+              <a:solidFill>
+                <a:srgbClr val="FFC000"/>
+              </a:solidFill>
+            </a:endParaRPr>
+          </a:p>
+          <a:p>
+            <a:r>
+              <a:rPr lang="en-US" altLang="zh-CN" dirty="0"/>
+              <a:t> </a:t>
+            </a:r>
+            <a:r>
+              <a:rPr lang="en-US" altLang="zh-CN" dirty="0" smtClean="0"/>
+              <a:t>  </a:t>
+            </a:r>
+            <a:r>
+              <a:rPr lang="zh-CN" altLang="en-US" sz="1400" dirty="0" smtClean="0"/>
+              <a:t>业务逻辑需要抛出异常方便框架检测出错误</a:t>
+            </a:r>
+            <a:endParaRPr lang="zh-CN" altLang="en-US" sz="1400" dirty="0"/>
+          </a:p>
+        </p:txBody>
+      </p:sp>
       <p:pic>
         <p:nvPicPr>
-          <p:cNvPr id="2050" name="Picture 2"/>
+          <p:cNvPr id="1026" name="Picture 2"/>
           <p:cNvPicPr>
             <a:picLocks noChangeAspect="1" noChangeArrowheads="1"/>
           </p:cNvPicPr>
@@ -3595,8 +3706,8 @@
         </p:blipFill>
         <p:spPr bwMode="auto">
           <a:xfrm>
-            <a:off x="1143000" y="2819400"/>
-            <a:ext cx="7867650" cy="2000250"/>
+            <a:off x="235771" y="2434828"/>
+            <a:ext cx="9020175" cy="2638425"/>
           </a:xfrm>
           <a:prstGeom prst="rect">
             <a:avLst/>
@@ -3626,117 +3737,6 @@
           </a:extLst>
         </p:spPr>
       </p:pic>
-      <p:sp>
-        <p:nvSpPr>
-          <p:cNvPr id="10" name="TextBox 9"/>
-          <p:cNvSpPr txBox="1"/>
-          <p:nvPr/>
-        </p:nvSpPr>
-        <p:spPr>
-          <a:xfrm>
-            <a:off x="1219200" y="5103911"/>
-            <a:ext cx="5943600" cy="307777"/>
-          </a:xfrm>
-          <a:prstGeom prst="rect">
-            <a:avLst/>
-          </a:prstGeom>
-          <a:noFill/>
-        </p:spPr>
-        <p:txBody>
-          <a:bodyPr wrap="square" rtlCol="0">
-            <a:spAutoFit/>
-          </a:bodyPr>
-          <a:lstStyle/>
-          <a:p>
-            <a:r>
-              <a:rPr lang="zh-CN" altLang="en-US" sz="1400" b="1" dirty="0" smtClean="0"/>
-              <a:t>继承</a:t>
-            </a:r>
-            <a:r>
-              <a:rPr lang="en-US" altLang="zh-CN" sz="1400" b="1" dirty="0" err="1" smtClean="0"/>
-              <a:t>DataStreamExcutor</a:t>
-            </a:r>
-            <a:r>
-              <a:rPr lang="zh-CN" altLang="en-US" sz="1400" b="1" dirty="0" smtClean="0"/>
-              <a:t>，实现</a:t>
-            </a:r>
-            <a:r>
-              <a:rPr lang="en-US" altLang="zh-CN" sz="1400" b="1" dirty="0" smtClean="0"/>
-              <a:t>service</a:t>
-            </a:r>
-            <a:r>
-              <a:rPr lang="zh-CN" altLang="en-US" sz="1400" b="1" dirty="0" smtClean="0"/>
-              <a:t>即可，支持</a:t>
-            </a:r>
-            <a:r>
-              <a:rPr lang="en-US" altLang="zh-CN" sz="1400" b="1" dirty="0" smtClean="0"/>
-              <a:t>java</a:t>
-            </a:r>
-            <a:r>
-              <a:rPr lang="zh-CN" altLang="en-US" sz="1400" b="1" dirty="0" smtClean="0"/>
-              <a:t>和</a:t>
-            </a:r>
-            <a:r>
-              <a:rPr lang="en-US" altLang="zh-CN" sz="1400" b="1" dirty="0" err="1" smtClean="0"/>
-              <a:t>scala</a:t>
-            </a:r>
-            <a:endParaRPr lang="zh-CN" altLang="en-US" sz="1400" b="1" dirty="0"/>
-          </a:p>
-        </p:txBody>
-      </p:sp>
-      <p:sp>
-        <p:nvSpPr>
-          <p:cNvPr id="11" name="TextBox 10"/>
-          <p:cNvSpPr txBox="1"/>
-          <p:nvPr/>
-        </p:nvSpPr>
-        <p:spPr>
-          <a:xfrm>
-            <a:off x="1371600" y="5638800"/>
-            <a:ext cx="5638800" cy="646331"/>
-          </a:xfrm>
-          <a:prstGeom prst="rect">
-            <a:avLst/>
-          </a:prstGeom>
-          <a:noFill/>
-        </p:spPr>
-        <p:txBody>
-          <a:bodyPr wrap="square" rtlCol="0">
-            <a:spAutoFit/>
-          </a:bodyPr>
-          <a:lstStyle/>
-          <a:p>
-            <a:r>
-              <a:rPr lang="zh-CN" altLang="en-US" dirty="0" smtClean="0">
-                <a:solidFill>
-                  <a:srgbClr val="FFC000"/>
-                </a:solidFill>
-              </a:rPr>
-              <a:t>注意：</a:t>
-            </a:r>
-            <a:endParaRPr lang="en-US" altLang="zh-CN" dirty="0" smtClean="0">
-              <a:solidFill>
-                <a:srgbClr val="FFC000"/>
-              </a:solidFill>
-            </a:endParaRPr>
-          </a:p>
-          <a:p>
-            <a:r>
-              <a:rPr lang="en-US" altLang="zh-CN" dirty="0"/>
-              <a:t> </a:t>
-            </a:r>
-            <a:r>
-              <a:rPr lang="en-US" altLang="zh-CN" dirty="0" smtClean="0"/>
-              <a:t>  </a:t>
-            </a:r>
-            <a:r>
-              <a:rPr lang="zh-CN" altLang="en-US" sz="1400" dirty="0" smtClean="0"/>
-              <a:t>业务逻辑需要抛出异常方便框架检测出错误</a:t>
-            </a:r>
-            <a:endParaRPr lang="zh-CN" altLang="en-US" sz="1400" dirty="0"/>
-          </a:p>
-        </p:txBody>
-      </p:sp>
     </p:spTree>
     <p:extLst>
       <p:ext uri="{BB962C8B-B14F-4D97-AF65-F5344CB8AC3E}">
@@ -4689,6 +4689,46 @@
           </a:p>
         </p:txBody>
       </p:sp>
+      <p:sp>
+        <p:nvSpPr>
+          <p:cNvPr id="3" name="Rectangle 2"/>
+          <p:cNvSpPr/>
+          <p:nvPr/>
+        </p:nvSpPr>
+        <p:spPr>
+          <a:xfrm>
+            <a:off x="3144375" y="2036802"/>
+            <a:ext cx="1728358" cy="430887"/>
+          </a:xfrm>
+          <a:prstGeom prst="rect">
+            <a:avLst/>
+          </a:prstGeom>
+        </p:spPr>
+        <p:txBody>
+          <a:bodyPr wrap="none">
+            <a:spAutoFit/>
+          </a:bodyPr>
+          <a:lstStyle/>
+          <a:p>
+            <a:r>
+              <a:rPr lang="en-US" altLang="zh-CN" sz="1100" dirty="0">
+                <a:hlinkClick r:id="rId4"/>
+              </a:rPr>
+              <a:t>http://127.0.0.1:9898/job</a:t>
+            </a:r>
+            <a:r>
+              <a:rPr lang="en-US" altLang="zh-CN" sz="1100" dirty="0" smtClean="0">
+                <a:hlinkClick r:id="rId4"/>
+              </a:rPr>
+              <a:t>/</a:t>
+            </a:r>
+            <a:endParaRPr lang="en-US" altLang="zh-CN" sz="1100" dirty="0" smtClean="0"/>
+          </a:p>
+          <a:p>
+            <a:endParaRPr lang="zh-CN" altLang="en-US" sz="1100" dirty="0"/>
+          </a:p>
+        </p:txBody>
+      </p:sp>
     </p:spTree>
     <p:extLst>
       <p:ext uri="{BB962C8B-B14F-4D97-AF65-F5344CB8AC3E}">
@@ -4977,10 +5017,6 @@
               <a:rPr lang="en-US" altLang="zh-CN" sz="1000" dirty="0"/>
               <a:t>{</a:t>
             </a:r>
-            <a:r>
-              <a:rPr lang="en-US" altLang="zh-CN" sz="1000" dirty="0"/>
-              <a:t/>
-            </a:r>
             <a:br>
               <a:rPr lang="en-US" altLang="zh-CN" sz="1000" dirty="0"/>
             </a:br>
@@ -5016,10 +5052,6 @@
               <a:rPr lang="en-US" altLang="zh-CN" sz="1000" dirty="0"/>
               <a:t>,</a:t>
             </a:r>
-            <a:r>
-              <a:rPr lang="en-US" altLang="zh-CN" sz="1000" dirty="0"/>
-              <a:t/>
-            </a:r>
             <a:br>
               <a:rPr lang="en-US" altLang="zh-CN" sz="1000" dirty="0"/>
             </a:br>
@@ -5132,10 +5164,6 @@
             <a:r>
               <a:rPr lang="en-US" altLang="zh-CN" sz="1000" dirty="0"/>
               <a:t>    ]</a:t>
-            </a:r>
-            <a:r>
-              <a:rPr lang="en-US" altLang="zh-CN" sz="1000" dirty="0"/>
-              <a:t/>
             </a:r>
             <a:br>
               <a:rPr lang="en-US" altLang="zh-CN" sz="1000" dirty="0"/>
@@ -5304,19 +5332,110 @@
       </p:grpSpPr>
       <p:sp>
         <p:nvSpPr>
-          <p:cNvPr id="4" name="TextBox 3"/>
-          <p:cNvSpPr txBox="1"/>
+          <p:cNvPr id="2" name="Rectangle 1"/>
+          <p:cNvSpPr/>
           <p:nvPr/>
         </p:nvSpPr>
         <p:spPr>
           <a:xfrm>
-            <a:off x="1981200" y="1981200"/>
-            <a:ext cx="5181600" cy="1200329"/>
+            <a:off x="930786" y="1511456"/>
+            <a:ext cx="1338828" cy="369332"/>
+          </a:xfrm>
+          <a:prstGeom prst="rect">
+            <a:avLst/>
+          </a:prstGeom>
+        </p:spPr>
+        <p:txBody>
+          <a:bodyPr wrap="none">
+            <a:spAutoFit/>
+          </a:bodyPr>
+          <a:lstStyle/>
+          <a:p>
+            <a:r>
+              <a:rPr lang="zh-CN" altLang="en-US" b="1" dirty="0">
+                <a:solidFill>
+                  <a:srgbClr val="FF0000"/>
+                </a:solidFill>
+              </a:rPr>
+              <a:t>部署方式：</a:t>
+            </a:r>
+            <a:endParaRPr lang="en-US" altLang="zh-CN" b="1" dirty="0">
+              <a:solidFill>
+                <a:srgbClr val="FF0000"/>
+              </a:solidFill>
+            </a:endParaRPr>
+          </a:p>
+        </p:txBody>
+      </p:sp>
+      <p:pic>
+        <p:nvPicPr>
+          <p:cNvPr id="2050" name="Picture 2"/>
+          <p:cNvPicPr>
+            <a:picLocks noChangeAspect="1" noChangeArrowheads="1"/>
+          </p:cNvPicPr>
+          <p:nvPr/>
+        </p:nvPicPr>
+        <p:blipFill>
+          <a:blip r:embed="rId2">
+            <a:extLst>
+              <a:ext uri="{28A0092B-C50C-407E-A947-70E740481C1C}">
+                <a14:useLocalDpi xmlns:a14="http://schemas.microsoft.com/office/drawing/2010/main" val="0"/>
+              </a:ext>
+            </a:extLst>
+          </a:blip>
+          <a:srcRect/>
+          <a:stretch>
+            <a:fillRect/>
+          </a:stretch>
+        </p:blipFill>
+        <p:spPr bwMode="auto">
+          <a:xfrm>
+            <a:off x="1905000" y="2286000"/>
+            <a:ext cx="5162550" cy="666750"/>
           </a:xfrm>
           <a:prstGeom prst="rect">
             <a:avLst/>
           </a:prstGeom>
           <a:noFill/>
+          <a:ln>
+            <a:noFill/>
+          </a:ln>
+          <a:extLst>
+            <a:ext uri="{909E8E84-426E-40DD-AFC4-6F175D3DCCD1}">
+              <a14:hiddenFill xmlns:a14="http://schemas.microsoft.com/office/drawing/2010/main">
+                <a:solidFill>
+                  <a:schemeClr val="accent1"/>
+                </a:solidFill>
+              </a14:hiddenFill>
+            </a:ext>
+            <a:ext uri="{91240B29-F687-4F45-9708-019B960494DF}">
+              <a14:hiddenLine xmlns:a14="http://schemas.microsoft.com/office/drawing/2010/main" w="9525">
+                <a:solidFill>
+                  <a:schemeClr val="tx1"/>
+                </a:solidFill>
+                <a:miter lim="800000"/>
+                <a:headEnd/>
+                <a:tailEnd/>
+              </a14:hiddenLine>
+            </a:ext>
+          </a:extLst>
+        </p:spPr>
+      </p:pic>
+      <p:sp>
+        <p:nvSpPr>
+          <p:cNvPr id="3" name="TextBox 2"/>
+          <p:cNvSpPr txBox="1"/>
+          <p:nvPr/>
+        </p:nvSpPr>
+        <p:spPr>
+          <a:xfrm>
+            <a:off x="1905000" y="4869976"/>
+            <a:ext cx="5562600" cy="646331"/>
+          </a:xfrm>
+          <a:prstGeom prst="rect">
+            <a:avLst/>
+          </a:prstGeom>
+          <a:noFill/>
         </p:spPr>
         <p:txBody>
           <a:bodyPr wrap="square" rtlCol="0">
@@ -5325,79 +5444,305 @@
           <a:lstStyle/>
           <a:p>
             <a:r>
-              <a:rPr lang="zh-CN" altLang="en-US" dirty="0"/>
-              <a:t>部署方</a:t>
-            </a:r>
-            <a:r>
-              <a:rPr lang="zh-CN" altLang="en-US" dirty="0" smtClean="0"/>
-              <a:t>式：</a:t>
-            </a:r>
-            <a:endParaRPr lang="en-US" altLang="zh-CN" dirty="0" smtClean="0"/>
-          </a:p>
-          <a:p>
-            <a:r>
-              <a:rPr lang="en-US" altLang="zh-CN" dirty="0"/>
-              <a:t> </a:t>
-            </a:r>
-            <a:r>
-              <a:rPr lang="en-US" altLang="zh-CN" dirty="0" smtClean="0"/>
-              <a:t> java</a:t>
-            </a:r>
-            <a:r>
-              <a:rPr lang="zh-CN" altLang="en-US" dirty="0" smtClean="0"/>
-              <a:t>应用可执行</a:t>
-            </a:r>
-            <a:r>
-              <a:rPr lang="en-US" altLang="zh-CN" dirty="0" smtClean="0"/>
+              <a:rPr lang="en-US" altLang="zh-CN" sz="1200" dirty="0"/>
+              <a:t>c</a:t>
+            </a:r>
+            <a:r>
+              <a:rPr lang="en-US" altLang="zh-CN" sz="1200" dirty="0" smtClean="0"/>
+              <a:t>loud-core</a:t>
+            </a:r>
+            <a:r>
+              <a:rPr lang="zh-CN" altLang="en-US" sz="1200" dirty="0" smtClean="0"/>
+              <a:t>以可执行</a:t>
+            </a:r>
+            <a:r>
+              <a:rPr lang="en-US" altLang="zh-CN" sz="1200" dirty="0" smtClean="0"/>
               <a:t>jar</a:t>
             </a:r>
             <a:r>
-              <a:rPr lang="zh-CN" altLang="en-US" dirty="0" smtClean="0"/>
-              <a:t>，若多台，只要</a:t>
-            </a:r>
-            <a:r>
-              <a:rPr lang="en-US" altLang="zh-CN" dirty="0" err="1" smtClean="0"/>
+              <a:rPr lang="zh-CN" altLang="en-US" sz="1200" dirty="0" smtClean="0"/>
+              <a:t>包的形式运行</a:t>
+            </a:r>
+            <a:r>
+              <a:rPr lang="en-US" altLang="zh-CN" sz="1200" dirty="0" smtClean="0"/>
+              <a:t>[</a:t>
+            </a:r>
+            <a:r>
+              <a:rPr lang="zh-CN" altLang="en-US" sz="1200" dirty="0" smtClean="0"/>
+              <a:t>需要提供</a:t>
+            </a:r>
+            <a:r>
+              <a:rPr lang="en-US" altLang="zh-CN" sz="1200" dirty="0" err="1" smtClean="0"/>
               <a:t>zk</a:t>
             </a:r>
             <a:r>
-              <a:rPr lang="zh-CN" altLang="en-US" dirty="0" smtClean="0"/>
-              <a:t>配置一样会自动发现</a:t>
-            </a:r>
-            <a:endParaRPr lang="en-US" altLang="zh-CN" dirty="0" smtClean="0"/>
-          </a:p>
-          <a:p>
-            <a:r>
-              <a:rPr lang="en-US" altLang="zh-CN" dirty="0"/>
-              <a:t> </a:t>
-            </a:r>
-            <a:r>
-              <a:rPr lang="en-US" altLang="zh-CN" dirty="0" smtClean="0"/>
-              <a:t> </a:t>
-            </a:r>
-            <a:r>
-              <a:rPr lang="en-US" altLang="zh-CN" dirty="0" err="1" smtClean="0"/>
-              <a:t>datagrid</a:t>
-            </a:r>
-            <a:r>
-              <a:rPr lang="zh-CN" altLang="en-US" dirty="0" smtClean="0"/>
-              <a:t>下面  </a:t>
-            </a:r>
-            <a:r>
-              <a:rPr lang="en-US" altLang="zh-CN" dirty="0" err="1" smtClean="0"/>
-              <a:t>mvn</a:t>
-            </a:r>
-            <a:r>
-              <a:rPr lang="en-US" altLang="zh-CN" dirty="0" smtClean="0"/>
-              <a:t> </a:t>
-            </a:r>
-            <a:r>
-              <a:rPr lang="en-US" altLang="zh-CN" smtClean="0"/>
-              <a:t>clean package</a:t>
-            </a:r>
-            <a:endParaRPr lang="zh-CN" altLang="en-US" dirty="0"/>
-          </a:p>
-        </p:txBody>
-      </p:sp>
+              <a:rPr lang="en-US" altLang="zh-CN" sz="1200" dirty="0" smtClean="0"/>
+              <a:t>]</a:t>
+            </a:r>
+            <a:r>
+              <a:rPr lang="zh-CN" altLang="en-US" sz="1200" dirty="0" smtClean="0"/>
+              <a:t>，</a:t>
+            </a:r>
+            <a:r>
+              <a:rPr lang="zh-CN" altLang="en-US" sz="1200" dirty="0"/>
+              <a:t>需</a:t>
+            </a:r>
+            <a:r>
+              <a:rPr lang="zh-CN" altLang="en-US" sz="1200" dirty="0" smtClean="0"/>
+              <a:t>要扩展只需要寻找另外一台机器运行</a:t>
+            </a:r>
+            <a:r>
+              <a:rPr lang="en-US" altLang="zh-CN" sz="1200" dirty="0" smtClean="0"/>
+              <a:t>jar</a:t>
+            </a:r>
+            <a:r>
+              <a:rPr lang="zh-CN" altLang="en-US" sz="1200" dirty="0" smtClean="0"/>
+              <a:t>包（当然同一台机器也支持多进程启动，可以用于测试，生产环境请不要使用），其他外围项目自行打包提交到集群运行，如下</a:t>
+            </a:r>
+            <a:endParaRPr lang="zh-CN" altLang="en-US" sz="1200" dirty="0"/>
+          </a:p>
+        </p:txBody>
+      </p:sp>
+      <p:pic>
+        <p:nvPicPr>
+          <p:cNvPr id="2052" name="Picture 4"/>
+          <p:cNvPicPr>
+            <a:picLocks noChangeAspect="1" noChangeArrowheads="1"/>
+          </p:cNvPicPr>
+          <p:nvPr/>
+        </p:nvPicPr>
+        <p:blipFill>
+          <a:blip r:embed="rId3">
+            <a:extLst>
+              <a:ext uri="{28A0092B-C50C-407E-A947-70E740481C1C}">
+                <a14:useLocalDpi xmlns:a14="http://schemas.microsoft.com/office/drawing/2010/main" val="0"/>
+              </a:ext>
+            </a:extLst>
+          </a:blip>
+          <a:srcRect/>
+          <a:stretch>
+            <a:fillRect/>
+          </a:stretch>
+        </p:blipFill>
+        <p:spPr bwMode="auto">
+          <a:xfrm>
+            <a:off x="1924722" y="3163700"/>
+            <a:ext cx="5353050" cy="1209675"/>
+          </a:xfrm>
+          <a:prstGeom prst="rect">
+            <a:avLst/>
+          </a:prstGeom>
+          <a:noFill/>
+          <a:ln>
+            <a:noFill/>
+          </a:ln>
+          <a:extLst>
+            <a:ext uri="{909E8E84-426E-40DD-AFC4-6F175D3DCCD1}">
+              <a14:hiddenFill xmlns:a14="http://schemas.microsoft.com/office/drawing/2010/main">
+                <a:solidFill>
+                  <a:schemeClr val="accent1"/>
+                </a:solidFill>
+              </a14:hiddenFill>
+            </a:ext>
+            <a:ext uri="{91240B29-F687-4F45-9708-019B960494DF}">
+              <a14:hiddenLine xmlns:a14="http://schemas.microsoft.com/office/drawing/2010/main" w="9525">
+                <a:solidFill>
+                  <a:schemeClr val="tx1"/>
+                </a:solidFill>
+                <a:miter lim="800000"/>
+                <a:headEnd/>
+                <a:tailEnd/>
+              </a14:hiddenLine>
+            </a:ext>
+          </a:extLst>
+        </p:spPr>
+      </p:pic>
+      <p:pic>
+        <p:nvPicPr>
+          <p:cNvPr id="2053" name="Picture 5"/>
+          <p:cNvPicPr>
+            <a:picLocks noChangeAspect="1" noChangeArrowheads="1"/>
+          </p:cNvPicPr>
+          <p:nvPr/>
+        </p:nvPicPr>
+        <p:blipFill>
+          <a:blip r:embed="rId4">
+            <a:extLst>
+              <a:ext uri="{28A0092B-C50C-407E-A947-70E740481C1C}">
+                <a14:useLocalDpi xmlns:a14="http://schemas.microsoft.com/office/drawing/2010/main" val="0"/>
+              </a:ext>
+            </a:extLst>
+          </a:blip>
+          <a:srcRect/>
+          <a:stretch>
+            <a:fillRect/>
+          </a:stretch>
+        </p:blipFill>
+        <p:spPr bwMode="auto">
+          <a:xfrm>
+            <a:off x="1905000" y="4492942"/>
+            <a:ext cx="4953000" cy="219075"/>
+          </a:xfrm>
+          <a:prstGeom prst="rect">
+            <a:avLst/>
+          </a:prstGeom>
+          <a:noFill/>
+          <a:ln>
+            <a:noFill/>
+          </a:ln>
+          <a:extLst>
+            <a:ext uri="{909E8E84-426E-40DD-AFC4-6F175D3DCCD1}">
+              <a14:hiddenFill xmlns:a14="http://schemas.microsoft.com/office/drawing/2010/main">
+                <a:solidFill>
+                  <a:schemeClr val="accent1"/>
+                </a:solidFill>
+              </a14:hiddenFill>
+            </a:ext>
+            <a:ext uri="{91240B29-F687-4F45-9708-019B960494DF}">
+              <a14:hiddenLine xmlns:a14="http://schemas.microsoft.com/office/drawing/2010/main" w="9525">
+                <a:solidFill>
+                  <a:schemeClr val="tx1"/>
+                </a:solidFill>
+                <a:miter lim="800000"/>
+                <a:headEnd/>
+                <a:tailEnd/>
+              </a14:hiddenLine>
+            </a:ext>
+          </a:extLst>
+        </p:spPr>
+      </p:pic>
+      <p:sp>
+        <p:nvSpPr>
+          <p:cNvPr id="5" name="TextBox 4"/>
+          <p:cNvSpPr txBox="1"/>
+          <p:nvPr/>
+        </p:nvSpPr>
+        <p:spPr>
+          <a:xfrm>
+            <a:off x="1664496" y="1890646"/>
+            <a:ext cx="4171278" cy="276999"/>
+          </a:xfrm>
+          <a:prstGeom prst="rect">
+            <a:avLst/>
+          </a:prstGeom>
+          <a:noFill/>
+        </p:spPr>
+        <p:txBody>
+          <a:bodyPr wrap="square" rtlCol="0">
+            <a:spAutoFit/>
+          </a:bodyPr>
+          <a:lstStyle/>
+          <a:p>
+            <a:r>
+              <a:rPr lang="en-US" altLang="zh-CN" sz="1200" b="1" i="1" dirty="0" smtClean="0">
+                <a:solidFill>
+                  <a:srgbClr val="00B050"/>
+                </a:solidFill>
+              </a:rPr>
+              <a:t>Job</a:t>
+            </a:r>
+            <a:r>
+              <a:rPr lang="zh-CN" altLang="en-US" sz="1200" b="1" i="1" dirty="0" smtClean="0">
+                <a:solidFill>
+                  <a:srgbClr val="00B050"/>
+                </a:solidFill>
+              </a:rPr>
+              <a:t>所在项目以</a:t>
+            </a:r>
+            <a:r>
+              <a:rPr lang="zh-CN" altLang="en-US" sz="1200" b="1" i="1" dirty="0">
+                <a:solidFill>
+                  <a:srgbClr val="00B050"/>
+                </a:solidFill>
+              </a:rPr>
+              <a:t>外</a:t>
+            </a:r>
+            <a:r>
+              <a:rPr lang="zh-CN" altLang="en-US" sz="1200" b="1" i="1" dirty="0" smtClean="0">
+                <a:solidFill>
+                  <a:srgbClr val="00B050"/>
+                </a:solidFill>
+              </a:rPr>
+              <a:t>围</a:t>
+            </a:r>
+            <a:r>
+              <a:rPr lang="en-US" altLang="zh-CN" sz="1200" b="1" i="1" dirty="0" smtClean="0">
+                <a:solidFill>
+                  <a:srgbClr val="00B050"/>
+                </a:solidFill>
+              </a:rPr>
+              <a:t>jar</a:t>
+            </a:r>
+            <a:r>
+              <a:rPr lang="zh-CN" altLang="en-US" sz="1200" b="1" i="1" dirty="0" smtClean="0">
+                <a:solidFill>
+                  <a:srgbClr val="00B050"/>
+                </a:solidFill>
+              </a:rPr>
+              <a:t>包形式提交到集群运行</a:t>
+            </a:r>
+            <a:endParaRPr lang="zh-CN" altLang="en-US" sz="1200" b="1" i="1" dirty="0">
+              <a:solidFill>
+                <a:srgbClr val="00B050"/>
+              </a:solidFill>
+            </a:endParaRPr>
+          </a:p>
+        </p:txBody>
+      </p:sp>
+      <p:pic>
+        <p:nvPicPr>
+          <p:cNvPr id="1026" name="Picture 2"/>
+          <p:cNvPicPr>
+            <a:picLocks noChangeAspect="1" noChangeArrowheads="1"/>
+          </p:cNvPicPr>
+          <p:nvPr/>
+        </p:nvPicPr>
+        <p:blipFill>
+          <a:blip r:embed="rId5">
+            <a:extLst>
+              <a:ext uri="{28A0092B-C50C-407E-A947-70E740481C1C}">
+                <a14:useLocalDpi xmlns:a14="http://schemas.microsoft.com/office/drawing/2010/main" val="0"/>
+              </a:ext>
+            </a:extLst>
+          </a:blip>
+          <a:srcRect/>
+          <a:stretch>
+            <a:fillRect/>
+          </a:stretch>
+        </p:blipFill>
+        <p:spPr bwMode="auto">
+          <a:xfrm>
+            <a:off x="1885950" y="5514975"/>
+            <a:ext cx="4895850" cy="1343025"/>
+          </a:xfrm>
+          <a:prstGeom prst="rect">
+            <a:avLst/>
+          </a:prstGeom>
+          <a:noFill/>
+          <a:ln>
+            <a:noFill/>
+          </a:ln>
+          <a:extLst>
+            <a:ext uri="{909E8E84-426E-40DD-AFC4-6F175D3DCCD1}">
+              <a14:hiddenFill xmlns:a14="http://schemas.microsoft.com/office/drawing/2010/main">
+                <a:solidFill>
+                  <a:schemeClr val="accent1"/>
+                </a:solidFill>
+              </a14:hiddenFill>
+            </a:ext>
+            <a:ext uri="{91240B29-F687-4F45-9708-019B960494DF}">
+              <a14:hiddenLine xmlns:a14="http://schemas.microsoft.com/office/drawing/2010/main" w="9525">
+                <a:solidFill>
+                  <a:schemeClr val="tx1"/>
+                </a:solidFill>
+                <a:miter lim="800000"/>
+                <a:headEnd/>
+                <a:tailEnd/>
+              </a14:hiddenLine>
+            </a:ext>
+          </a:extLst>
+        </p:spPr>
+      </p:pic>
     </p:spTree>
     <p:extLst>
       <p:ext uri="{BB962C8B-B14F-4D97-AF65-F5344CB8AC3E}">
@@ -8695,7 +9040,7 @@
           <a:p>
             <a:r>
               <a:rPr lang="en-US" altLang="zh-CN" dirty="0" smtClean="0"/>
-              <a:t>(List&lt;Object&gt;)</a:t>
+              <a:t>(List&lt;T&gt;)</a:t>
             </a:r>
             <a:endParaRPr lang="zh-CN" altLang="en-US" dirty="0"/>
           </a:p>
@@ -8775,7 +9120,7 @@
             </a:r>
             <a:r>
               <a:rPr lang="en-US" altLang="zh-CN" b="1" dirty="0" smtClean="0"/>
-              <a:t>&lt;Object&gt;)</a:t>
+              <a:t>&lt;T&gt;)</a:t>
             </a:r>
             <a:endParaRPr lang="zh-CN" altLang="en-US" b="1" dirty="0"/>
           </a:p>
@@ -8900,6 +9245,44 @@
               <a:t> field</a:t>
             </a:r>
             <a:endParaRPr lang="zh-CN" altLang="en-US" sz="1050" b="1" dirty="0"/>
+          </a:p>
+        </p:txBody>
+      </p:sp>
+      <p:sp>
+        <p:nvSpPr>
+          <p:cNvPr id="2" name="TextBox 1"/>
+          <p:cNvSpPr txBox="1"/>
+          <p:nvPr/>
+        </p:nvSpPr>
+        <p:spPr>
+          <a:xfrm>
+            <a:off x="4482774" y="6172200"/>
+            <a:ext cx="2832426" cy="369332"/>
+          </a:xfrm>
+          <a:prstGeom prst="rect">
+            <a:avLst/>
+          </a:prstGeom>
+          <a:noFill/>
+        </p:spPr>
+        <p:txBody>
+          <a:bodyPr wrap="square" rtlCol="0">
+            <a:spAutoFit/>
+          </a:bodyPr>
+          <a:lstStyle/>
+          <a:p>
+            <a:r>
+              <a:rPr lang="zh-CN" altLang="en-US" b="1" dirty="0" smtClean="0">
+                <a:solidFill>
+                  <a:srgbClr val="92D050"/>
+                </a:solidFill>
+              </a:rPr>
+              <a:t>轮训公平调度策略</a:t>
+            </a:r>
+            <a:endParaRPr lang="zh-CN" altLang="en-US" b="1" dirty="0">
+              <a:solidFill>
+                <a:srgbClr val="92D050"/>
+              </a:solidFill>
+            </a:endParaRPr>
           </a:p>
         </p:txBody>
       </p:sp>
